--- a/docs/Beta阶段前端设计稿.pptx
+++ b/docs/Beta阶段前端设计稿.pptx
@@ -212,7 +212,7 @@
           <a:p>
             <a:fld id="{48340030-95B4-49AE-8069-5CBD95754356}" type="datetimeFigureOut">
               <a:rPr lang="zh-CN" altLang="en-US" smtClean="0"/>
-              <a:t>2019/5/2</a:t>
+              <a:t>2019/5/6</a:t>
             </a:fld>
             <a:endParaRPr lang="zh-CN" altLang="en-US"/>
           </a:p>
@@ -826,7 +826,7 @@
           <a:p>
             <a:fld id="{530820CF-B880-4189-942D-D702A7CBA730}" type="datetimeFigureOut">
               <a:rPr lang="zh-CN" altLang="en-US" smtClean="0"/>
-              <a:t>2019/5/2</a:t>
+              <a:t>2019/5/6</a:t>
             </a:fld>
             <a:endParaRPr lang="zh-CN" altLang="en-US"/>
           </a:p>
@@ -989,7 +989,7 @@
           <a:p>
             <a:fld id="{530820CF-B880-4189-942D-D702A7CBA730}" type="datetimeFigureOut">
               <a:rPr lang="zh-CN" altLang="en-US" smtClean="0"/>
-              <a:t>2019/5/2</a:t>
+              <a:t>2019/5/6</a:t>
             </a:fld>
             <a:endParaRPr lang="zh-CN" altLang="en-US"/>
           </a:p>
@@ -1162,7 +1162,7 @@
           <a:p>
             <a:fld id="{530820CF-B880-4189-942D-D702A7CBA730}" type="datetimeFigureOut">
               <a:rPr lang="zh-CN" altLang="en-US" smtClean="0"/>
-              <a:t>2019/5/2</a:t>
+              <a:t>2019/5/6</a:t>
             </a:fld>
             <a:endParaRPr lang="zh-CN" altLang="en-US"/>
           </a:p>
@@ -1325,7 +1325,7 @@
           <a:p>
             <a:fld id="{530820CF-B880-4189-942D-D702A7CBA730}" type="datetimeFigureOut">
               <a:rPr lang="zh-CN" altLang="en-US" smtClean="0"/>
-              <a:t>2019/5/2</a:t>
+              <a:t>2019/5/6</a:t>
             </a:fld>
             <a:endParaRPr lang="zh-CN" altLang="en-US"/>
           </a:p>
@@ -1565,7 +1565,7 @@
           <a:p>
             <a:fld id="{530820CF-B880-4189-942D-D702A7CBA730}" type="datetimeFigureOut">
               <a:rPr lang="zh-CN" altLang="en-US" smtClean="0"/>
-              <a:t>2019/5/2</a:t>
+              <a:t>2019/5/6</a:t>
             </a:fld>
             <a:endParaRPr lang="zh-CN" altLang="en-US"/>
           </a:p>
@@ -1845,7 +1845,7 @@
           <a:p>
             <a:fld id="{530820CF-B880-4189-942D-D702A7CBA730}" type="datetimeFigureOut">
               <a:rPr lang="zh-CN" altLang="en-US" smtClean="0"/>
-              <a:t>2019/5/2</a:t>
+              <a:t>2019/5/6</a:t>
             </a:fld>
             <a:endParaRPr lang="zh-CN" altLang="en-US"/>
           </a:p>
@@ -2259,7 +2259,7 @@
           <a:p>
             <a:fld id="{530820CF-B880-4189-942D-D702A7CBA730}" type="datetimeFigureOut">
               <a:rPr lang="zh-CN" altLang="en-US" smtClean="0"/>
-              <a:t>2019/5/2</a:t>
+              <a:t>2019/5/6</a:t>
             </a:fld>
             <a:endParaRPr lang="zh-CN" altLang="en-US"/>
           </a:p>
@@ -2371,7 +2371,7 @@
           <a:p>
             <a:fld id="{530820CF-B880-4189-942D-D702A7CBA730}" type="datetimeFigureOut">
               <a:rPr lang="zh-CN" altLang="en-US" smtClean="0"/>
-              <a:t>2019/5/2</a:t>
+              <a:t>2019/5/6</a:t>
             </a:fld>
             <a:endParaRPr lang="zh-CN" altLang="en-US"/>
           </a:p>
@@ -2461,7 +2461,7 @@
           <a:p>
             <a:fld id="{530820CF-B880-4189-942D-D702A7CBA730}" type="datetimeFigureOut">
               <a:rPr lang="zh-CN" altLang="en-US" smtClean="0"/>
-              <a:t>2019/5/2</a:t>
+              <a:t>2019/5/6</a:t>
             </a:fld>
             <a:endParaRPr lang="zh-CN" altLang="en-US"/>
           </a:p>
@@ -2731,7 +2731,7 @@
           <a:p>
             <a:fld id="{530820CF-B880-4189-942D-D702A7CBA730}" type="datetimeFigureOut">
               <a:rPr lang="zh-CN" altLang="en-US" smtClean="0"/>
-              <a:t>2019/5/2</a:t>
+              <a:t>2019/5/6</a:t>
             </a:fld>
             <a:endParaRPr lang="zh-CN" altLang="en-US"/>
           </a:p>
@@ -2978,7 +2978,7 @@
           <a:p>
             <a:fld id="{530820CF-B880-4189-942D-D702A7CBA730}" type="datetimeFigureOut">
               <a:rPr lang="zh-CN" altLang="en-US" smtClean="0"/>
-              <a:t>2019/5/2</a:t>
+              <a:t>2019/5/6</a:t>
             </a:fld>
             <a:endParaRPr lang="zh-CN" altLang="en-US"/>
           </a:p>
@@ -3184,7 +3184,7 @@
           <a:p>
             <a:fld id="{530820CF-B880-4189-942D-D702A7CBA730}" type="datetimeFigureOut">
               <a:rPr lang="zh-CN" altLang="en-US" smtClean="0"/>
-              <a:t>2019/5/2</a:t>
+              <a:t>2019/5/6</a:t>
             </a:fld>
             <a:endParaRPr lang="zh-CN" altLang="en-US"/>
           </a:p>
@@ -3821,7 +3821,7 @@
         </p:blipFill>
         <p:spPr>
           <a:xfrm>
-            <a:off x="4067964" y="600783"/>
+            <a:off x="7795808" y="829329"/>
             <a:ext cx="360000" cy="360000"/>
           </a:xfrm>
           <a:prstGeom prst="rect">
@@ -3857,7 +3857,7 @@
         </p:blipFill>
         <p:spPr>
           <a:xfrm>
-            <a:off x="4572000" y="602125"/>
+            <a:off x="8299844" y="830671"/>
             <a:ext cx="360000" cy="360000"/>
           </a:xfrm>
           <a:prstGeom prst="rect">
@@ -3893,7 +3893,7 @@
         </p:blipFill>
         <p:spPr>
           <a:xfrm>
-            <a:off x="4067964" y="3127938"/>
+            <a:off x="7795808" y="3356484"/>
             <a:ext cx="360000" cy="360000"/>
           </a:xfrm>
           <a:prstGeom prst="rect">
@@ -3929,7 +3929,7 @@
         </p:blipFill>
         <p:spPr>
           <a:xfrm>
-            <a:off x="4571999" y="3127938"/>
+            <a:off x="8299843" y="3356484"/>
             <a:ext cx="360000" cy="360000"/>
           </a:xfrm>
           <a:prstGeom prst="rect">
@@ -3965,7 +3965,7 @@
         </p:blipFill>
         <p:spPr>
           <a:xfrm>
-            <a:off x="4067964" y="1610415"/>
+            <a:off x="7795808" y="1838961"/>
             <a:ext cx="360000" cy="360000"/>
           </a:xfrm>
           <a:prstGeom prst="rect">
@@ -4001,7 +4001,7 @@
         </p:blipFill>
         <p:spPr>
           <a:xfrm>
-            <a:off x="4572000" y="1610415"/>
+            <a:off x="8299844" y="1838961"/>
             <a:ext cx="360000" cy="360000"/>
           </a:xfrm>
           <a:prstGeom prst="rect">
@@ -4037,7 +4037,7 @@
         </p:blipFill>
         <p:spPr>
           <a:xfrm>
-            <a:off x="4572000" y="1106270"/>
+            <a:off x="8299844" y="1334816"/>
             <a:ext cx="360000" cy="360000"/>
           </a:xfrm>
           <a:prstGeom prst="rect">
@@ -4073,7 +4073,7 @@
         </p:blipFill>
         <p:spPr>
           <a:xfrm>
-            <a:off x="4067964" y="1107682"/>
+            <a:off x="7795808" y="1336228"/>
             <a:ext cx="360000" cy="360000"/>
           </a:xfrm>
           <a:prstGeom prst="rect">
@@ -4109,7 +4109,7 @@
         </p:blipFill>
         <p:spPr>
           <a:xfrm>
-            <a:off x="4571999" y="3635333"/>
+            <a:off x="8299843" y="3863879"/>
             <a:ext cx="360000" cy="360000"/>
           </a:xfrm>
           <a:prstGeom prst="rect">
@@ -4145,7 +4145,7 @@
         </p:blipFill>
         <p:spPr>
           <a:xfrm>
-            <a:off x="4067964" y="3635333"/>
+            <a:off x="7795808" y="3863879"/>
             <a:ext cx="360000" cy="360000"/>
           </a:xfrm>
           <a:prstGeom prst="rect">
@@ -4181,7 +4181,7 @@
         </p:blipFill>
         <p:spPr>
           <a:xfrm>
-            <a:off x="4571999" y="2618967"/>
+            <a:off x="8299843" y="2847513"/>
             <a:ext cx="360000" cy="360000"/>
           </a:xfrm>
           <a:prstGeom prst="rect">
@@ -4217,7 +4217,7 @@
         </p:blipFill>
         <p:spPr>
           <a:xfrm>
-            <a:off x="4067964" y="2620543"/>
+            <a:off x="7795808" y="2849089"/>
             <a:ext cx="360000" cy="360000"/>
           </a:xfrm>
           <a:prstGeom prst="rect">
@@ -4253,7 +4253,7 @@
         </p:blipFill>
         <p:spPr>
           <a:xfrm>
-            <a:off x="4571999" y="2113148"/>
+            <a:off x="8299843" y="2341694"/>
             <a:ext cx="360000" cy="360000"/>
           </a:xfrm>
           <a:prstGeom prst="rect">
@@ -4289,7 +4289,7 @@
         </p:blipFill>
         <p:spPr>
           <a:xfrm>
-            <a:off x="4067964" y="2113148"/>
+            <a:off x="7795808" y="2341694"/>
             <a:ext cx="360000" cy="360000"/>
           </a:xfrm>
           <a:prstGeom prst="rect">
@@ -4325,7 +4325,7 @@
         </p:blipFill>
         <p:spPr>
           <a:xfrm>
-            <a:off x="5076036" y="600783"/>
+            <a:off x="8803880" y="829329"/>
             <a:ext cx="360000" cy="360000"/>
           </a:xfrm>
           <a:prstGeom prst="rect">
@@ -4415,7 +4415,7 @@
         </p:blipFill>
         <p:spPr>
           <a:xfrm>
-            <a:off x="4571999" y="4142728"/>
+            <a:off x="8299843" y="4371274"/>
             <a:ext cx="360000" cy="360000"/>
           </a:xfrm>
           <a:prstGeom prst="rect">
@@ -4451,7 +4451,7 @@
         </p:blipFill>
         <p:spPr>
           <a:xfrm>
-            <a:off x="4067964" y="4142728"/>
+            <a:off x="7795808" y="4371274"/>
             <a:ext cx="360000" cy="360000"/>
           </a:xfrm>
           <a:prstGeom prst="rect">
@@ -5813,7 +5813,7 @@
         </p:blipFill>
         <p:spPr>
           <a:xfrm>
-            <a:off x="5050396" y="4146339"/>
+            <a:off x="8778240" y="4374885"/>
             <a:ext cx="360000" cy="360000"/>
           </a:xfrm>
           <a:prstGeom prst="rect">
@@ -5849,7 +5849,7 @@
         </p:blipFill>
         <p:spPr>
           <a:xfrm>
-            <a:off x="4067964" y="4650647"/>
+            <a:off x="7795808" y="4879193"/>
             <a:ext cx="360000" cy="360000"/>
           </a:xfrm>
           <a:prstGeom prst="rect">
@@ -5885,7 +5885,7 @@
         </p:blipFill>
         <p:spPr>
           <a:xfrm>
-            <a:off x="4571999" y="4646330"/>
+            <a:off x="8299843" y="4874876"/>
             <a:ext cx="360000" cy="360000"/>
           </a:xfrm>
           <a:prstGeom prst="rect">
@@ -5921,7 +5921,7 @@
         </p:blipFill>
         <p:spPr>
           <a:xfrm>
-            <a:off x="4575677" y="5158429"/>
+            <a:off x="8303521" y="5386975"/>
             <a:ext cx="360000" cy="360000"/>
           </a:xfrm>
           <a:prstGeom prst="rect">
@@ -5957,7 +5957,7 @@
         </p:blipFill>
         <p:spPr>
           <a:xfrm>
-            <a:off x="4067964" y="5158429"/>
+            <a:off x="7795808" y="5386975"/>
             <a:ext cx="360000" cy="360000"/>
           </a:xfrm>
           <a:prstGeom prst="rect">
@@ -6505,7 +6505,7 @@
         </p:nvSpPr>
         <p:spPr>
           <a:xfrm>
-            <a:off x="3203019" y="96234"/>
+            <a:off x="3609276" y="-2253"/>
             <a:ext cx="3293519" cy="369332"/>
           </a:xfrm>
           <a:prstGeom prst="rect">
@@ -6540,7 +6540,7 @@
         </p:nvSpPr>
         <p:spPr>
           <a:xfrm>
-            <a:off x="5549197" y="430980"/>
+            <a:off x="3802928" y="431068"/>
             <a:ext cx="3240000" cy="5760000"/>
           </a:xfrm>
           <a:prstGeom prst="rect">
@@ -6596,7 +6596,7 @@
         </p:nvSpPr>
         <p:spPr>
           <a:xfrm>
-            <a:off x="5561018" y="430980"/>
+            <a:off x="3814749" y="431068"/>
             <a:ext cx="3218296" cy="584401"/>
           </a:xfrm>
           <a:prstGeom prst="rect">
@@ -6648,7 +6648,7 @@
         </p:nvCxnSpPr>
         <p:spPr>
           <a:xfrm>
-            <a:off x="5549197" y="1007044"/>
+            <a:off x="3802928" y="1007132"/>
             <a:ext cx="3240000" cy="0"/>
           </a:xfrm>
           <a:prstGeom prst="line">
@@ -6684,7 +6684,7 @@
         </p:nvSpPr>
         <p:spPr>
           <a:xfrm>
-            <a:off x="5395490" y="571613"/>
+            <a:off x="3649221" y="571701"/>
             <a:ext cx="3372003" cy="369332"/>
           </a:xfrm>
           <a:prstGeom prst="rect">
@@ -6720,7 +6720,7 @@
         </p:nvSpPr>
         <p:spPr>
           <a:xfrm>
-            <a:off x="5561018" y="1017589"/>
+            <a:off x="3814749" y="1017677"/>
             <a:ext cx="3218296" cy="584401"/>
           </a:xfrm>
           <a:prstGeom prst="rect">
@@ -6779,7 +6779,7 @@
         </p:nvSpPr>
         <p:spPr>
           <a:xfrm>
-            <a:off x="5728458" y="1132584"/>
+            <a:off x="3982189" y="1132672"/>
             <a:ext cx="2438832" cy="360000"/>
           </a:xfrm>
           <a:prstGeom prst="flowChartTerminator">
@@ -6847,7 +6847,7 @@
         </p:blipFill>
         <p:spPr>
           <a:xfrm>
-            <a:off x="8293302" y="1129789"/>
+            <a:off x="6547033" y="1129877"/>
             <a:ext cx="360000" cy="360000"/>
           </a:xfrm>
           <a:prstGeom prst="rect">
@@ -6883,7 +6883,7 @@
         </p:blipFill>
         <p:spPr>
           <a:xfrm>
-            <a:off x="5944514" y="1169845"/>
+            <a:off x="4198245" y="1169933"/>
             <a:ext cx="288000" cy="288000"/>
           </a:xfrm>
           <a:prstGeom prst="rect">
@@ -6905,7 +6905,7 @@
         </p:nvSpPr>
         <p:spPr>
           <a:xfrm>
-            <a:off x="5567287" y="1706370"/>
+            <a:off x="3821018" y="1706458"/>
             <a:ext cx="3218296" cy="2115206"/>
           </a:xfrm>
           <a:prstGeom prst="rect">
@@ -6964,7 +6964,7 @@
         </p:nvSpPr>
         <p:spPr>
           <a:xfrm>
-            <a:off x="5702082" y="3043606"/>
+            <a:off x="3955813" y="3043694"/>
             <a:ext cx="1988985" cy="276999"/>
           </a:xfrm>
           <a:prstGeom prst="rect">
@@ -7016,7 +7016,7 @@
         </p:blipFill>
         <p:spPr>
           <a:xfrm>
-            <a:off x="5590218" y="3321022"/>
+            <a:off x="3843949" y="3321110"/>
             <a:ext cx="169101" cy="169101"/>
           </a:xfrm>
           <a:prstGeom prst="rect">
@@ -7038,7 +7038,7 @@
         </p:nvSpPr>
         <p:spPr>
           <a:xfrm>
-            <a:off x="5725420" y="3279941"/>
+            <a:off x="3979151" y="3280029"/>
             <a:ext cx="1142672" cy="261610"/>
           </a:xfrm>
           <a:prstGeom prst="rect">
@@ -7082,7 +7082,7 @@
         </p:nvSpPr>
         <p:spPr>
           <a:xfrm>
-            <a:off x="8464123" y="3279941"/>
+            <a:off x="6717854" y="3280029"/>
             <a:ext cx="467090" cy="230832"/>
           </a:xfrm>
           <a:prstGeom prst="rect">
@@ -7126,7 +7126,7 @@
         </p:nvSpPr>
         <p:spPr>
           <a:xfrm>
-            <a:off x="8091749" y="3073378"/>
+            <a:off x="6345480" y="3073466"/>
             <a:ext cx="772762" cy="230832"/>
           </a:xfrm>
           <a:prstGeom prst="rect">
@@ -7184,7 +7184,7 @@
         </p:blipFill>
         <p:spPr>
           <a:xfrm flipH="1">
-            <a:off x="5590119" y="3112650"/>
+            <a:off x="3843850" y="3112738"/>
             <a:ext cx="169200" cy="169200"/>
           </a:xfrm>
           <a:prstGeom prst="rect">
@@ -7219,7 +7219,7 @@
         </p:blipFill>
         <p:spPr>
           <a:xfrm>
-            <a:off x="5556435" y="1997948"/>
+            <a:off x="3810166" y="1998036"/>
             <a:ext cx="3280973" cy="1008808"/>
           </a:xfrm>
           <a:prstGeom prst="rect">
@@ -7255,7 +7255,7 @@
         </p:blipFill>
         <p:spPr>
           <a:xfrm>
-            <a:off x="8001190" y="3109629"/>
+            <a:off x="6254921" y="3109717"/>
             <a:ext cx="159411" cy="159411"/>
           </a:xfrm>
           <a:prstGeom prst="rect">
@@ -7291,7 +7291,7 @@
         </p:blipFill>
         <p:spPr>
           <a:xfrm>
-            <a:off x="8372476" y="3322136"/>
+            <a:off x="6626207" y="3322224"/>
             <a:ext cx="158400" cy="158400"/>
           </a:xfrm>
           <a:prstGeom prst="rect">
@@ -7313,7 +7313,7 @@
         </p:nvSpPr>
         <p:spPr>
           <a:xfrm>
-            <a:off x="5588019" y="3563905"/>
+            <a:off x="3841750" y="3563993"/>
             <a:ext cx="576293" cy="144000"/>
           </a:xfrm>
           <a:prstGeom prst="flowChartTerminator">
@@ -7386,7 +7386,7 @@
         </p:nvSpPr>
         <p:spPr>
           <a:xfrm>
-            <a:off x="6269356" y="3563904"/>
+            <a:off x="4523087" y="3563992"/>
             <a:ext cx="868495" cy="144000"/>
           </a:xfrm>
           <a:prstGeom prst="flowChartTerminator">
@@ -7459,7 +7459,7 @@
         </p:nvSpPr>
         <p:spPr>
           <a:xfrm>
-            <a:off x="7242895" y="3563905"/>
+            <a:off x="5496626" y="3563993"/>
             <a:ext cx="576293" cy="144000"/>
           </a:xfrm>
           <a:prstGeom prst="flowChartTerminator">
@@ -7532,7 +7532,7 @@
         </p:nvSpPr>
         <p:spPr>
           <a:xfrm>
-            <a:off x="5578139" y="3855454"/>
+            <a:off x="3831870" y="3855542"/>
             <a:ext cx="3218296" cy="1825556"/>
           </a:xfrm>
           <a:prstGeom prst="rect">
@@ -7591,7 +7591,7 @@
         </p:nvSpPr>
         <p:spPr>
           <a:xfrm>
-            <a:off x="5712934" y="4903040"/>
+            <a:off x="3966665" y="4903128"/>
             <a:ext cx="1988985" cy="276999"/>
           </a:xfrm>
           <a:prstGeom prst="rect">
@@ -7643,7 +7643,7 @@
         </p:blipFill>
         <p:spPr>
           <a:xfrm>
-            <a:off x="5601070" y="5180456"/>
+            <a:off x="3854801" y="5180544"/>
             <a:ext cx="169101" cy="169101"/>
           </a:xfrm>
           <a:prstGeom prst="rect">
@@ -7665,7 +7665,7 @@
         </p:nvSpPr>
         <p:spPr>
           <a:xfrm>
-            <a:off x="5736272" y="5139375"/>
+            <a:off x="3990003" y="5139463"/>
             <a:ext cx="1142672" cy="261610"/>
           </a:xfrm>
           <a:prstGeom prst="rect">
@@ -7709,7 +7709,7 @@
         </p:nvSpPr>
         <p:spPr>
           <a:xfrm>
-            <a:off x="8473302" y="5160034"/>
+            <a:off x="6727033" y="5160122"/>
             <a:ext cx="467090" cy="230832"/>
           </a:xfrm>
           <a:prstGeom prst="rect">
@@ -7753,7 +7753,7 @@
         </p:nvSpPr>
         <p:spPr>
           <a:xfrm>
-            <a:off x="8102601" y="4932812"/>
+            <a:off x="6356332" y="4932900"/>
             <a:ext cx="772762" cy="230832"/>
           </a:xfrm>
           <a:prstGeom prst="rect">
@@ -7811,7 +7811,7 @@
         </p:blipFill>
         <p:spPr>
           <a:xfrm flipH="1">
-            <a:off x="5600971" y="4972084"/>
+            <a:off x="3854702" y="4972172"/>
             <a:ext cx="169200" cy="169200"/>
           </a:xfrm>
           <a:prstGeom prst="rect">
@@ -7846,7 +7846,7 @@
         </p:blipFill>
         <p:spPr>
           <a:xfrm>
-            <a:off x="5567287" y="3857382"/>
+            <a:off x="3821018" y="3857470"/>
             <a:ext cx="3280973" cy="1008808"/>
           </a:xfrm>
           <a:prstGeom prst="rect">
@@ -7882,7 +7882,7 @@
         </p:blipFill>
         <p:spPr>
           <a:xfrm>
-            <a:off x="8012042" y="4969063"/>
+            <a:off x="6265773" y="4969151"/>
             <a:ext cx="159411" cy="159411"/>
           </a:xfrm>
           <a:prstGeom prst="rect">
@@ -7918,7 +7918,7 @@
         </p:blipFill>
         <p:spPr>
           <a:xfrm>
-            <a:off x="8383328" y="5181570"/>
+            <a:off x="6637059" y="5181658"/>
             <a:ext cx="158400" cy="158400"/>
           </a:xfrm>
           <a:prstGeom prst="rect">
@@ -7940,7 +7940,7 @@
         </p:nvSpPr>
         <p:spPr>
           <a:xfrm>
-            <a:off x="5598871" y="5423339"/>
+            <a:off x="3852602" y="5423427"/>
             <a:ext cx="576293" cy="144000"/>
           </a:xfrm>
           <a:prstGeom prst="flowChartTerminator">
@@ -8013,7 +8013,7 @@
         </p:nvSpPr>
         <p:spPr>
           <a:xfrm>
-            <a:off x="6280208" y="5423338"/>
+            <a:off x="4533939" y="5423426"/>
             <a:ext cx="868495" cy="144000"/>
           </a:xfrm>
           <a:prstGeom prst="flowChartTerminator">
@@ -8086,7 +8086,7 @@
         </p:nvSpPr>
         <p:spPr>
           <a:xfrm>
-            <a:off x="7253747" y="5423339"/>
+            <a:off x="5507478" y="5423427"/>
             <a:ext cx="576293" cy="144000"/>
           </a:xfrm>
           <a:prstGeom prst="flowChartTerminator">
@@ -8159,7 +8159,7 @@
         </p:nvSpPr>
         <p:spPr>
           <a:xfrm>
-            <a:off x="5549197" y="5614770"/>
+            <a:off x="3802928" y="5614858"/>
             <a:ext cx="3218296" cy="564806"/>
           </a:xfrm>
           <a:prstGeom prst="rect">
@@ -8211,7 +8211,7 @@
         </p:nvSpPr>
         <p:spPr>
           <a:xfrm>
-            <a:off x="5728457" y="5914048"/>
+            <a:off x="3982188" y="5914136"/>
             <a:ext cx="504057" cy="261610"/>
           </a:xfrm>
           <a:prstGeom prst="rect">
@@ -8253,7 +8253,7 @@
         </p:nvSpPr>
         <p:spPr>
           <a:xfrm>
-            <a:off x="8059718" y="5883352"/>
+            <a:off x="6313449" y="5883440"/>
             <a:ext cx="504057" cy="261610"/>
           </a:xfrm>
           <a:prstGeom prst="rect">
@@ -8311,7 +8311,7 @@
         </p:blipFill>
         <p:spPr>
           <a:xfrm>
-            <a:off x="8185746" y="5652621"/>
+            <a:off x="6439477" y="5652709"/>
             <a:ext cx="252000" cy="252000"/>
           </a:xfrm>
           <a:prstGeom prst="rect">
@@ -8333,7 +8333,7 @@
         </p:nvSpPr>
         <p:spPr>
           <a:xfrm>
-            <a:off x="6510877" y="5908513"/>
+            <a:off x="4764608" y="5908601"/>
             <a:ext cx="504057" cy="261610"/>
           </a:xfrm>
           <a:prstGeom prst="rect">
@@ -8377,7 +8377,7 @@
         </p:nvSpPr>
         <p:spPr>
           <a:xfrm>
-            <a:off x="7293297" y="5904621"/>
+            <a:off x="5547028" y="5904709"/>
             <a:ext cx="504057" cy="261610"/>
           </a:xfrm>
           <a:prstGeom prst="rect">
@@ -8435,7 +8435,7 @@
         </p:blipFill>
         <p:spPr>
           <a:xfrm>
-            <a:off x="5859935" y="5658130"/>
+            <a:off x="4113666" y="5658218"/>
             <a:ext cx="252000" cy="252000"/>
           </a:xfrm>
           <a:prstGeom prst="rect">
@@ -8471,7 +8471,7 @@
         </p:blipFill>
         <p:spPr>
           <a:xfrm>
-            <a:off x="6638757" y="5662048"/>
+            <a:off x="4892488" y="5662136"/>
             <a:ext cx="252000" cy="252000"/>
           </a:xfrm>
           <a:prstGeom prst="rect">
@@ -8507,7 +8507,7 @@
         </p:blipFill>
         <p:spPr>
           <a:xfrm>
-            <a:off x="7421177" y="5662048"/>
+            <a:off x="5674908" y="5662136"/>
             <a:ext cx="252000" cy="252000"/>
           </a:xfrm>
           <a:prstGeom prst="rect">
@@ -8543,7 +8543,7 @@
         </p:blipFill>
         <p:spPr>
           <a:xfrm>
-            <a:off x="8350876" y="5210866"/>
+            <a:off x="6604607" y="5210954"/>
             <a:ext cx="360000" cy="360000"/>
           </a:xfrm>
           <a:prstGeom prst="rect">
@@ -8565,7 +8565,7 @@
         </p:nvCxnSpPr>
         <p:spPr>
           <a:xfrm>
-            <a:off x="5549197" y="1961990"/>
+            <a:off x="3802928" y="1962078"/>
             <a:ext cx="3247238" cy="0"/>
           </a:xfrm>
           <a:prstGeom prst="line">
@@ -8608,7 +8608,7 @@
         </p:nvSpPr>
         <p:spPr>
           <a:xfrm>
-            <a:off x="5556408" y="1715444"/>
+            <a:off x="3810139" y="1715532"/>
             <a:ext cx="940130" cy="674727"/>
           </a:xfrm>
           <a:prstGeom prst="rect">
@@ -8671,7 +8671,7 @@
         </p:nvSpPr>
         <p:spPr>
           <a:xfrm>
-            <a:off x="5552794" y="1678444"/>
+            <a:off x="3806525" y="1678532"/>
             <a:ext cx="872286" cy="276999"/>
           </a:xfrm>
           <a:prstGeom prst="rect">
@@ -8726,7 +8726,7 @@
         </p:blipFill>
         <p:spPr>
           <a:xfrm rot="10800000" flipH="1">
-            <a:off x="6296756" y="1753242"/>
+            <a:off x="4550487" y="1753330"/>
             <a:ext cx="128324" cy="128324"/>
           </a:xfrm>
           <a:prstGeom prst="rect">
@@ -8750,7 +8750,7 @@
         </p:nvCxnSpPr>
         <p:spPr>
           <a:xfrm>
-            <a:off x="5578139" y="1951334"/>
+            <a:off x="3831870" y="1951422"/>
             <a:ext cx="922858" cy="0"/>
           </a:xfrm>
           <a:prstGeom prst="line">
@@ -8793,7 +8793,7 @@
         </p:nvSpPr>
         <p:spPr>
           <a:xfrm>
-            <a:off x="5542893" y="1920015"/>
+            <a:off x="3796624" y="1920103"/>
             <a:ext cx="882187" cy="276999"/>
           </a:xfrm>
           <a:prstGeom prst="rect">
@@ -8846,7 +8846,7 @@
         </p:nvCxnSpPr>
         <p:spPr>
           <a:xfrm>
-            <a:off x="5578139" y="2174606"/>
+            <a:off x="3831870" y="2174694"/>
             <a:ext cx="922858" cy="0"/>
           </a:xfrm>
           <a:prstGeom prst="line">
@@ -8889,7 +8889,7 @@
         </p:nvSpPr>
         <p:spPr>
           <a:xfrm>
-            <a:off x="5542893" y="2143287"/>
+            <a:off x="3796624" y="2143375"/>
             <a:ext cx="882187" cy="276999"/>
           </a:xfrm>
           <a:prstGeom prst="rect">
@@ -9097,7 +9097,13 @@
           <a:ln>
             <a:noFill/>
           </a:ln>
-          <a:effectLst/>
+          <a:effectLst>
+            <a:outerShdw blurRad="50800" dist="38100" dir="5400000" sx="98000" sy="98000" algn="t" rotWithShape="0">
+              <a:prstClr val="black">
+                <a:alpha val="40000"/>
+              </a:prstClr>
+            </a:outerShdw>
+          </a:effectLst>
         </p:spPr>
         <p:style>
           <a:lnRef idx="2">
@@ -9120,7 +9126,7 @@
           <a:lstStyle/>
           <a:p>
             <a:pPr algn="ctr"/>
-            <a:endParaRPr lang="zh-CN" altLang="en-US"/>
+            <a:endParaRPr lang="zh-CN" altLang="en-US" dirty="0"/>
           </a:p>
         </p:txBody>
       </p:sp>
@@ -10202,6 +10208,55 @@
           </a:p>
         </p:txBody>
       </p:sp>
+      <p:cxnSp>
+        <p:nvCxnSpPr>
+          <p:cNvPr id="26" name="直接连接符 25">
+            <a:extLst>
+              <a:ext uri="{FF2B5EF4-FFF2-40B4-BE49-F238E27FC236}">
+                <a16:creationId xmlns:a16="http://schemas.microsoft.com/office/drawing/2014/main" id="{A306CAD0-8F15-40B4-A824-A0B22CC11DBD}"/>
+              </a:ext>
+            </a:extLst>
+          </p:cNvPr>
+          <p:cNvCxnSpPr>
+            <a:cxnSpLocks/>
+          </p:cNvCxnSpPr>
+          <p:nvPr/>
+        </p:nvCxnSpPr>
+        <p:spPr>
+          <a:xfrm>
+            <a:off x="171011" y="4256604"/>
+            <a:ext cx="3212677" cy="0"/>
+          </a:xfrm>
+          <a:prstGeom prst="line">
+            <a:avLst/>
+          </a:prstGeom>
+          <a:ln w="19050" cap="rnd">
+            <a:solidFill>
+              <a:schemeClr val="bg1">
+                <a:lumMod val="65000"/>
+              </a:schemeClr>
+            </a:solidFill>
+            <a:round/>
+          </a:ln>
+          <a:effectLst>
+            <a:softEdge rad="6350"/>
+          </a:effectLst>
+        </p:spPr>
+        <p:style>
+          <a:lnRef idx="1">
+            <a:schemeClr val="accent1"/>
+          </a:lnRef>
+          <a:fillRef idx="0">
+            <a:schemeClr val="accent1"/>
+          </a:fillRef>
+          <a:effectRef idx="0">
+            <a:schemeClr val="accent1"/>
+          </a:effectRef>
+          <a:fontRef idx="minor">
+            <a:schemeClr val="tx1"/>
+          </a:fontRef>
+        </p:style>
+      </p:cxnSp>
     </p:spTree>
     <p:extLst>
       <p:ext uri="{BB962C8B-B14F-4D97-AF65-F5344CB8AC3E}">
@@ -13466,8 +13521,8 @@
         </p:nvSpPr>
         <p:spPr>
           <a:xfrm>
-            <a:off x="165528" y="439405"/>
-            <a:ext cx="3218296" cy="584401"/>
+            <a:off x="165528" y="469045"/>
+            <a:ext cx="3218296" cy="554762"/>
           </a:xfrm>
           <a:prstGeom prst="rect">
             <a:avLst/>
@@ -15547,42 +15602,6 @@
           </a:p>
         </p:txBody>
       </p:sp>
-      <p:pic>
-        <p:nvPicPr>
-          <p:cNvPr id="105" name="图片 104">
-            <a:extLst>
-              <a:ext uri="{FF2B5EF4-FFF2-40B4-BE49-F238E27FC236}">
-                <a16:creationId xmlns:a16="http://schemas.microsoft.com/office/drawing/2014/main" id="{AF7BCC35-D114-4E73-8979-4B48E1B95194}"/>
-              </a:ext>
-            </a:extLst>
-          </p:cNvPr>
-          <p:cNvPicPr>
-            <a:picLocks noChangeAspect="1"/>
-          </p:cNvPicPr>
-          <p:nvPr/>
-        </p:nvPicPr>
-        <p:blipFill>
-          <a:blip r:embed="rId10" cstate="print">
-            <a:extLst>
-              <a:ext uri="{28A0092B-C50C-407E-A947-70E740481C1C}">
-                <a14:useLocalDpi xmlns:a14="http://schemas.microsoft.com/office/drawing/2010/main" val="0"/>
-              </a:ext>
-            </a:extLst>
-          </a:blip>
-          <a:stretch>
-            <a:fillRect/>
-          </a:stretch>
-        </p:blipFill>
-        <p:spPr>
-          <a:xfrm>
-            <a:off x="2846476" y="1399281"/>
-            <a:ext cx="360000" cy="360000"/>
-          </a:xfrm>
-          <a:prstGeom prst="rect">
-            <a:avLst/>
-          </a:prstGeom>
-        </p:spPr>
-      </p:pic>
       <p:sp>
         <p:nvSpPr>
           <p:cNvPr id="106" name="文本框 105">
@@ -15598,7 +15617,7 @@
         <p:spPr>
           <a:xfrm>
             <a:off x="2619027" y="1743786"/>
-            <a:ext cx="831196" cy="338554"/>
+            <a:ext cx="831196" cy="261610"/>
           </a:xfrm>
           <a:prstGeom prst="rect">
             <a:avLst/>
@@ -15613,7 +15632,7 @@
           <a:p>
             <a:pPr algn="ctr"/>
             <a:r>
-              <a:rPr lang="zh-CN" altLang="en-US" sz="1600" dirty="0">
+              <a:rPr lang="zh-CN" altLang="en-US" sz="1100" dirty="0">
                 <a:solidFill>
                   <a:srgbClr val="5A5A5A"/>
                 </a:solidFill>
@@ -16232,7 +16251,7 @@
         <p:spPr>
           <a:xfrm>
             <a:off x="2620432" y="3147676"/>
-            <a:ext cx="831196" cy="338554"/>
+            <a:ext cx="831196" cy="261610"/>
           </a:xfrm>
           <a:prstGeom prst="rect">
             <a:avLst/>
@@ -16247,7 +16266,7 @@
           <a:p>
             <a:pPr algn="ctr"/>
             <a:r>
-              <a:rPr lang="zh-CN" altLang="en-US" sz="1600" dirty="0">
+              <a:rPr lang="zh-CN" altLang="en-US" sz="1100" dirty="0">
                 <a:solidFill>
                   <a:srgbClr val="639729"/>
                 </a:solidFill>
@@ -16332,42 +16351,6 @@
           </a:p>
         </p:txBody>
       </p:sp>
-      <p:pic>
-        <p:nvPicPr>
-          <p:cNvPr id="123" name="图片 122">
-            <a:extLst>
-              <a:ext uri="{FF2B5EF4-FFF2-40B4-BE49-F238E27FC236}">
-                <a16:creationId xmlns:a16="http://schemas.microsoft.com/office/drawing/2014/main" id="{2686B484-8556-429B-B68D-B87D2A31947F}"/>
-              </a:ext>
-            </a:extLst>
-          </p:cNvPr>
-          <p:cNvPicPr>
-            <a:picLocks noChangeAspect="1"/>
-          </p:cNvPicPr>
-          <p:nvPr/>
-        </p:nvPicPr>
-        <p:blipFill>
-          <a:blip r:embed="rId11" cstate="print">
-            <a:extLst>
-              <a:ext uri="{28A0092B-C50C-407E-A947-70E740481C1C}">
-                <a14:useLocalDpi xmlns:a14="http://schemas.microsoft.com/office/drawing/2010/main" val="0"/>
-              </a:ext>
-            </a:extLst>
-          </a:blip>
-          <a:stretch>
-            <a:fillRect/>
-          </a:stretch>
-        </p:blipFill>
-        <p:spPr>
-          <a:xfrm>
-            <a:off x="2846476" y="2723803"/>
-            <a:ext cx="360000" cy="360000"/>
-          </a:xfrm>
-          <a:prstGeom prst="rect">
-            <a:avLst/>
-          </a:prstGeom>
-        </p:spPr>
-      </p:pic>
       <p:sp>
         <p:nvSpPr>
           <p:cNvPr id="124" name="矩形 123">
@@ -17033,42 +17016,6 @@
           </a:p>
         </p:txBody>
       </p:sp>
-      <p:pic>
-        <p:nvPicPr>
-          <p:cNvPr id="140" name="图片 139">
-            <a:extLst>
-              <a:ext uri="{FF2B5EF4-FFF2-40B4-BE49-F238E27FC236}">
-                <a16:creationId xmlns:a16="http://schemas.microsoft.com/office/drawing/2014/main" id="{1531AC5D-BD19-4397-865B-E42EB1DA94B4}"/>
-              </a:ext>
-            </a:extLst>
-          </p:cNvPr>
-          <p:cNvPicPr>
-            <a:picLocks noChangeAspect="1"/>
-          </p:cNvPicPr>
-          <p:nvPr/>
-        </p:nvPicPr>
-        <p:blipFill>
-          <a:blip r:embed="rId12" cstate="print">
-            <a:extLst>
-              <a:ext uri="{28A0092B-C50C-407E-A947-70E740481C1C}">
-                <a14:useLocalDpi xmlns:a14="http://schemas.microsoft.com/office/drawing/2010/main" val="0"/>
-              </a:ext>
-            </a:extLst>
-          </a:blip>
-          <a:stretch>
-            <a:fillRect/>
-          </a:stretch>
-        </p:blipFill>
-        <p:spPr>
-          <a:xfrm>
-            <a:off x="2850076" y="4132098"/>
-            <a:ext cx="360000" cy="360000"/>
-          </a:xfrm>
-          <a:prstGeom prst="rect">
-            <a:avLst/>
-          </a:prstGeom>
-        </p:spPr>
-      </p:pic>
       <p:sp>
         <p:nvSpPr>
           <p:cNvPr id="141" name="文本框 140">
@@ -17084,7 +17031,7 @@
         <p:spPr>
           <a:xfrm>
             <a:off x="2610878" y="4555710"/>
-            <a:ext cx="831196" cy="338554"/>
+            <a:ext cx="831196" cy="261610"/>
           </a:xfrm>
           <a:prstGeom prst="rect">
             <a:avLst/>
@@ -17099,7 +17046,7 @@
           <a:p>
             <a:pPr algn="ctr"/>
             <a:r>
-              <a:rPr lang="zh-CN" altLang="en-US" sz="1600" dirty="0">
+              <a:rPr lang="zh-CN" altLang="en-US" sz="1100" dirty="0">
                 <a:solidFill>
                   <a:srgbClr val="D24532"/>
                 </a:solidFill>
@@ -17126,7 +17073,7 @@
           <p:nvPr/>
         </p:nvPicPr>
         <p:blipFill>
-          <a:blip r:embed="rId13" cstate="print">
+          <a:blip r:embed="rId10" cstate="print">
             <a:extLst>
               <a:ext uri="{28A0092B-C50C-407E-A947-70E740481C1C}">
                 <a14:useLocalDpi xmlns:a14="http://schemas.microsoft.com/office/drawing/2010/main" val="0"/>
@@ -17162,7 +17109,7 @@
           <p:nvPr/>
         </p:nvPicPr>
         <p:blipFill>
-          <a:blip r:embed="rId14" cstate="print">
+          <a:blip r:embed="rId11" cstate="print">
             <a:extLst>
               <a:ext uri="{28A0092B-C50C-407E-A947-70E740481C1C}">
                 <a14:useLocalDpi xmlns:a14="http://schemas.microsoft.com/office/drawing/2010/main" val="0"/>
@@ -17215,6 +17162,265 @@
               <a:rPr lang="zh-CN" altLang="en-US" dirty="0"/>
               <a:t>我的申请</a:t>
             </a:r>
+          </a:p>
+        </p:txBody>
+      </p:sp>
+      <p:pic>
+        <p:nvPicPr>
+          <p:cNvPr id="3" name="图片 2">
+            <a:extLst>
+              <a:ext uri="{FF2B5EF4-FFF2-40B4-BE49-F238E27FC236}">
+                <a16:creationId xmlns:a16="http://schemas.microsoft.com/office/drawing/2014/main" id="{76E05F79-CD99-4D94-8D1C-4912D7B719D5}"/>
+              </a:ext>
+            </a:extLst>
+          </p:cNvPr>
+          <p:cNvPicPr>
+            <a:picLocks noChangeAspect="1"/>
+          </p:cNvPicPr>
+          <p:nvPr/>
+        </p:nvPicPr>
+        <p:blipFill>
+          <a:blip r:embed="rId12" cstate="print">
+            <a:extLst>
+              <a:ext uri="{28A0092B-C50C-407E-A947-70E740481C1C}">
+                <a14:useLocalDpi xmlns:a14="http://schemas.microsoft.com/office/drawing/2010/main" val="0"/>
+              </a:ext>
+            </a:extLst>
+          </a:blip>
+          <a:stretch>
+            <a:fillRect/>
+          </a:stretch>
+        </p:blipFill>
+        <p:spPr>
+          <a:xfrm>
+            <a:off x="2831959" y="2782861"/>
+            <a:ext cx="392224" cy="360133"/>
+          </a:xfrm>
+          <a:prstGeom prst="rect">
+            <a:avLst/>
+          </a:prstGeom>
+        </p:spPr>
+      </p:pic>
+      <p:pic>
+        <p:nvPicPr>
+          <p:cNvPr id="5" name="图片 4">
+            <a:extLst>
+              <a:ext uri="{FF2B5EF4-FFF2-40B4-BE49-F238E27FC236}">
+                <a16:creationId xmlns:a16="http://schemas.microsoft.com/office/drawing/2014/main" id="{F12C1940-F68F-49DE-859E-7E8E7363B029}"/>
+              </a:ext>
+            </a:extLst>
+          </p:cNvPr>
+          <p:cNvPicPr>
+            <a:picLocks noChangeAspect="1"/>
+          </p:cNvPicPr>
+          <p:nvPr/>
+        </p:nvPicPr>
+        <p:blipFill>
+          <a:blip r:embed="rId13" cstate="print">
+            <a:extLst>
+              <a:ext uri="{28A0092B-C50C-407E-A947-70E740481C1C}">
+                <a14:useLocalDpi xmlns:a14="http://schemas.microsoft.com/office/drawing/2010/main" val="0"/>
+              </a:ext>
+            </a:extLst>
+          </a:blip>
+          <a:stretch>
+            <a:fillRect/>
+          </a:stretch>
+        </p:blipFill>
+        <p:spPr>
+          <a:xfrm>
+            <a:off x="2794005" y="1387201"/>
+            <a:ext cx="439271" cy="366059"/>
+          </a:xfrm>
+          <a:prstGeom prst="rect">
+            <a:avLst/>
+          </a:prstGeom>
+        </p:spPr>
+      </p:pic>
+      <p:pic>
+        <p:nvPicPr>
+          <p:cNvPr id="7" name="图片 6">
+            <a:extLst>
+              <a:ext uri="{FF2B5EF4-FFF2-40B4-BE49-F238E27FC236}">
+                <a16:creationId xmlns:a16="http://schemas.microsoft.com/office/drawing/2014/main" id="{66EBC69A-5C63-4277-980E-CD0E4FF0E114}"/>
+              </a:ext>
+            </a:extLst>
+          </p:cNvPr>
+          <p:cNvPicPr>
+            <a:picLocks noChangeAspect="1"/>
+          </p:cNvPicPr>
+          <p:nvPr/>
+        </p:nvPicPr>
+        <p:blipFill>
+          <a:blip r:embed="rId14" cstate="print">
+            <a:extLst>
+              <a:ext uri="{28A0092B-C50C-407E-A947-70E740481C1C}">
+                <a14:useLocalDpi xmlns:a14="http://schemas.microsoft.com/office/drawing/2010/main" val="0"/>
+              </a:ext>
+            </a:extLst>
+          </a:blip>
+          <a:stretch>
+            <a:fillRect/>
+          </a:stretch>
+        </p:blipFill>
+        <p:spPr>
+          <a:xfrm>
+            <a:off x="2790256" y="4184140"/>
+            <a:ext cx="398457" cy="379661"/>
+          </a:xfrm>
+          <a:prstGeom prst="rect">
+            <a:avLst/>
+          </a:prstGeom>
+        </p:spPr>
+      </p:pic>
+      <p:sp>
+        <p:nvSpPr>
+          <p:cNvPr id="9" name="文本框 8">
+            <a:extLst>
+              <a:ext uri="{FF2B5EF4-FFF2-40B4-BE49-F238E27FC236}">
+                <a16:creationId xmlns:a16="http://schemas.microsoft.com/office/drawing/2014/main" id="{72D312F8-0C54-4243-82DD-5A5C868705C7}"/>
+              </a:ext>
+            </a:extLst>
+          </p:cNvPr>
+          <p:cNvSpPr txBox="1"/>
+          <p:nvPr/>
+        </p:nvSpPr>
+        <p:spPr>
+          <a:xfrm>
+            <a:off x="3457901" y="3130773"/>
+            <a:ext cx="5544616" cy="1200329"/>
+          </a:xfrm>
+          <a:prstGeom prst="rect">
+            <a:avLst/>
+          </a:prstGeom>
+          <a:noFill/>
+        </p:spPr>
+        <p:txBody>
+          <a:bodyPr wrap="square" rtlCol="0">
+            <a:spAutoFit/>
+          </a:bodyPr>
+          <a:lstStyle/>
+          <a:p>
+            <a:r>
+              <a:rPr lang="zh-CN" altLang="en-US" dirty="0"/>
+              <a:t>左侧三个图标直接使用</a:t>
+            </a:r>
+            <a:endParaRPr lang="en-US" altLang="zh-CN" dirty="0"/>
+          </a:p>
+          <a:p>
+            <a:r>
+              <a:rPr lang="en-US" altLang="zh-CN" dirty="0"/>
+              <a:t>&lt;</a:t>
+            </a:r>
+            <a:r>
+              <a:rPr lang="en-US" altLang="zh-CN" dirty="0" err="1"/>
+              <a:t>i</a:t>
+            </a:r>
+            <a:r>
+              <a:rPr lang="en-US" altLang="zh-CN" dirty="0"/>
+              <a:t> class="</a:t>
+            </a:r>
+            <a:r>
+              <a:rPr lang="en-US" altLang="zh-CN" dirty="0" err="1"/>
+              <a:t>weui_icon_msg</a:t>
+            </a:r>
+            <a:r>
+              <a:rPr lang="en-US" altLang="zh-CN" dirty="0"/>
+              <a:t> </a:t>
+            </a:r>
+            <a:r>
+              <a:rPr lang="en-US" altLang="zh-CN" dirty="0" err="1"/>
+              <a:t>weui_icon_success</a:t>
+            </a:r>
+            <a:r>
+              <a:rPr lang="en-US" altLang="zh-CN" dirty="0"/>
+              <a:t>"&gt;&lt;/</a:t>
+            </a:r>
+            <a:r>
+              <a:rPr lang="en-US" altLang="zh-CN" dirty="0" err="1"/>
+              <a:t>i</a:t>
+            </a:r>
+            <a:r>
+              <a:rPr lang="en-US" altLang="zh-CN" dirty="0"/>
+              <a:t>&gt;</a:t>
+            </a:r>
+          </a:p>
+          <a:p>
+            <a:r>
+              <a:rPr lang="en-US" altLang="zh-CN" dirty="0"/>
+              <a:t>&lt;</a:t>
+            </a:r>
+            <a:r>
+              <a:rPr lang="en-US" altLang="zh-CN" dirty="0" err="1"/>
+              <a:t>i</a:t>
+            </a:r>
+            <a:r>
+              <a:rPr lang="en-US" altLang="zh-CN" dirty="0"/>
+              <a:t> class="</a:t>
+            </a:r>
+            <a:r>
+              <a:rPr lang="en-US" altLang="zh-CN" dirty="0" err="1"/>
+              <a:t>weui_icon_msg</a:t>
+            </a:r>
+            <a:r>
+              <a:rPr lang="en-US" altLang="zh-CN" dirty="0"/>
+              <a:t> </a:t>
+            </a:r>
+            <a:r>
+              <a:rPr lang="en-US" altLang="zh-CN" dirty="0" err="1"/>
+              <a:t>weui_icon_info</a:t>
+            </a:r>
+            <a:r>
+              <a:rPr lang="en-US" altLang="zh-CN" dirty="0"/>
+              <a:t>"&gt;&lt;/</a:t>
+            </a:r>
+            <a:r>
+              <a:rPr lang="en-US" altLang="zh-CN" dirty="0" err="1"/>
+              <a:t>i</a:t>
+            </a:r>
+            <a:r>
+              <a:rPr lang="en-US" altLang="zh-CN" dirty="0"/>
+              <a:t>&gt;</a:t>
+            </a:r>
+          </a:p>
+          <a:p>
+            <a:r>
+              <a:rPr lang="en-US" altLang="zh-CN" dirty="0"/>
+              <a:t>&lt;</a:t>
+            </a:r>
+            <a:r>
+              <a:rPr lang="en-US" altLang="zh-CN" dirty="0" err="1"/>
+              <a:t>i</a:t>
+            </a:r>
+            <a:r>
+              <a:rPr lang="en-US" altLang="zh-CN" dirty="0"/>
+              <a:t> class="</a:t>
+            </a:r>
+            <a:r>
+              <a:rPr lang="en-US" altLang="zh-CN" dirty="0" err="1"/>
+              <a:t>weui_icon_msg</a:t>
+            </a:r>
+            <a:r>
+              <a:rPr lang="en-US" altLang="zh-CN" dirty="0"/>
+              <a:t> </a:t>
+            </a:r>
+            <a:r>
+              <a:rPr lang="en-US" altLang="zh-CN" dirty="0" err="1"/>
+              <a:t>weui_icon_waiting</a:t>
+            </a:r>
+            <a:r>
+              <a:rPr lang="en-US" altLang="zh-CN" dirty="0"/>
+              <a:t>"&gt;&lt;/</a:t>
+            </a:r>
+            <a:r>
+              <a:rPr lang="en-US" altLang="zh-CN" dirty="0" err="1"/>
+              <a:t>i</a:t>
+            </a:r>
+            <a:r>
+              <a:rPr lang="en-US" altLang="zh-CN" dirty="0"/>
+              <a:t>&gt;</a:t>
+            </a:r>
+            <a:endParaRPr lang="zh-CN" altLang="en-US" dirty="0"/>
           </a:p>
         </p:txBody>
       </p:sp>

--- a/docs/Beta阶段前端设计稿.pptx
+++ b/docs/Beta阶段前端设计稿.pptx
@@ -5,14 +5,15 @@
     <p:sldMasterId id="2147483648" r:id="rId1"/>
   </p:sldMasterIdLst>
   <p:notesMasterIdLst>
-    <p:notesMasterId r:id="rId7"/>
+    <p:notesMasterId r:id="rId8"/>
   </p:notesMasterIdLst>
   <p:sldIdLst>
     <p:sldId id="257" r:id="rId2"/>
     <p:sldId id="258" r:id="rId3"/>
     <p:sldId id="259" r:id="rId4"/>
     <p:sldId id="260" r:id="rId5"/>
-    <p:sldId id="256" r:id="rId6"/>
+    <p:sldId id="261" r:id="rId6"/>
+    <p:sldId id="256" r:id="rId7"/>
   </p:sldIdLst>
   <p:sldSz cx="9144000" cy="6858000" type="screen4x3"/>
   <p:notesSz cx="6858000" cy="9144000"/>
@@ -212,7 +213,7 @@
           <a:p>
             <a:fld id="{48340030-95B4-49AE-8069-5CBD95754356}" type="datetimeFigureOut">
               <a:rPr lang="zh-CN" altLang="en-US" smtClean="0"/>
-              <a:t>2019/5/6</a:t>
+              <a:t>2019/5/7</a:t>
             </a:fld>
             <a:endParaRPr lang="zh-CN" altLang="en-US"/>
           </a:p>
@@ -628,7 +629,7 @@
           <a:p>
             <a:fld id="{3B9B6A14-1C49-4289-B485-CA955A50C7A5}" type="slidenum">
               <a:rPr lang="zh-CN" altLang="en-US" smtClean="0"/>
-              <a:t>5</a:t>
+              <a:t>6</a:t>
             </a:fld>
             <a:endParaRPr lang="zh-CN" altLang="en-US"/>
           </a:p>
@@ -826,7 +827,7 @@
           <a:p>
             <a:fld id="{530820CF-B880-4189-942D-D702A7CBA730}" type="datetimeFigureOut">
               <a:rPr lang="zh-CN" altLang="en-US" smtClean="0"/>
-              <a:t>2019/5/6</a:t>
+              <a:t>2019/5/7</a:t>
             </a:fld>
             <a:endParaRPr lang="zh-CN" altLang="en-US"/>
           </a:p>
@@ -989,7 +990,7 @@
           <a:p>
             <a:fld id="{530820CF-B880-4189-942D-D702A7CBA730}" type="datetimeFigureOut">
               <a:rPr lang="zh-CN" altLang="en-US" smtClean="0"/>
-              <a:t>2019/5/6</a:t>
+              <a:t>2019/5/7</a:t>
             </a:fld>
             <a:endParaRPr lang="zh-CN" altLang="en-US"/>
           </a:p>
@@ -1162,7 +1163,7 @@
           <a:p>
             <a:fld id="{530820CF-B880-4189-942D-D702A7CBA730}" type="datetimeFigureOut">
               <a:rPr lang="zh-CN" altLang="en-US" smtClean="0"/>
-              <a:t>2019/5/6</a:t>
+              <a:t>2019/5/7</a:t>
             </a:fld>
             <a:endParaRPr lang="zh-CN" altLang="en-US"/>
           </a:p>
@@ -1325,7 +1326,7 @@
           <a:p>
             <a:fld id="{530820CF-B880-4189-942D-D702A7CBA730}" type="datetimeFigureOut">
               <a:rPr lang="zh-CN" altLang="en-US" smtClean="0"/>
-              <a:t>2019/5/6</a:t>
+              <a:t>2019/5/7</a:t>
             </a:fld>
             <a:endParaRPr lang="zh-CN" altLang="en-US"/>
           </a:p>
@@ -1565,7 +1566,7 @@
           <a:p>
             <a:fld id="{530820CF-B880-4189-942D-D702A7CBA730}" type="datetimeFigureOut">
               <a:rPr lang="zh-CN" altLang="en-US" smtClean="0"/>
-              <a:t>2019/5/6</a:t>
+              <a:t>2019/5/7</a:t>
             </a:fld>
             <a:endParaRPr lang="zh-CN" altLang="en-US"/>
           </a:p>
@@ -1845,7 +1846,7 @@
           <a:p>
             <a:fld id="{530820CF-B880-4189-942D-D702A7CBA730}" type="datetimeFigureOut">
               <a:rPr lang="zh-CN" altLang="en-US" smtClean="0"/>
-              <a:t>2019/5/6</a:t>
+              <a:t>2019/5/7</a:t>
             </a:fld>
             <a:endParaRPr lang="zh-CN" altLang="en-US"/>
           </a:p>
@@ -2259,7 +2260,7 @@
           <a:p>
             <a:fld id="{530820CF-B880-4189-942D-D702A7CBA730}" type="datetimeFigureOut">
               <a:rPr lang="zh-CN" altLang="en-US" smtClean="0"/>
-              <a:t>2019/5/6</a:t>
+              <a:t>2019/5/7</a:t>
             </a:fld>
             <a:endParaRPr lang="zh-CN" altLang="en-US"/>
           </a:p>
@@ -2371,7 +2372,7 @@
           <a:p>
             <a:fld id="{530820CF-B880-4189-942D-D702A7CBA730}" type="datetimeFigureOut">
               <a:rPr lang="zh-CN" altLang="en-US" smtClean="0"/>
-              <a:t>2019/5/6</a:t>
+              <a:t>2019/5/7</a:t>
             </a:fld>
             <a:endParaRPr lang="zh-CN" altLang="en-US"/>
           </a:p>
@@ -2461,7 +2462,7 @@
           <a:p>
             <a:fld id="{530820CF-B880-4189-942D-D702A7CBA730}" type="datetimeFigureOut">
               <a:rPr lang="zh-CN" altLang="en-US" smtClean="0"/>
-              <a:t>2019/5/6</a:t>
+              <a:t>2019/5/7</a:t>
             </a:fld>
             <a:endParaRPr lang="zh-CN" altLang="en-US"/>
           </a:p>
@@ -2731,7 +2732,7 @@
           <a:p>
             <a:fld id="{530820CF-B880-4189-942D-D702A7CBA730}" type="datetimeFigureOut">
               <a:rPr lang="zh-CN" altLang="en-US" smtClean="0"/>
-              <a:t>2019/5/6</a:t>
+              <a:t>2019/5/7</a:t>
             </a:fld>
             <a:endParaRPr lang="zh-CN" altLang="en-US"/>
           </a:p>
@@ -2978,7 +2979,7 @@
           <a:p>
             <a:fld id="{530820CF-B880-4189-942D-D702A7CBA730}" type="datetimeFigureOut">
               <a:rPr lang="zh-CN" altLang="en-US" smtClean="0"/>
-              <a:t>2019/5/6</a:t>
+              <a:t>2019/5/7</a:t>
             </a:fld>
             <a:endParaRPr lang="zh-CN" altLang="en-US"/>
           </a:p>
@@ -3184,7 +3185,7 @@
           <a:p>
             <a:fld id="{530820CF-B880-4189-942D-D702A7CBA730}" type="datetimeFigureOut">
               <a:rPr lang="zh-CN" altLang="en-US" smtClean="0"/>
-              <a:t>2019/5/6</a:t>
+              <a:t>2019/5/7</a:t>
             </a:fld>
             <a:endParaRPr lang="zh-CN" altLang="en-US"/>
           </a:p>
@@ -4960,7 +4961,7 @@
             <a:avLst/>
           </a:prstGeom>
           <a:solidFill>
-            <a:srgbClr val="FBCBA3"/>
+            <a:srgbClr val="F7BA81"/>
           </a:solidFill>
           <a:ln w="9525">
             <a:solidFill>
@@ -5033,7 +5034,7 @@
             <a:avLst/>
           </a:prstGeom>
           <a:solidFill>
-            <a:srgbClr val="FBCBA3"/>
+            <a:srgbClr val="F7BA81"/>
           </a:solidFill>
           <a:ln w="9525">
             <a:solidFill>
@@ -5106,7 +5107,7 @@
             <a:avLst/>
           </a:prstGeom>
           <a:solidFill>
-            <a:srgbClr val="FBCBA3"/>
+            <a:srgbClr val="F7BA81"/>
           </a:solidFill>
           <a:ln w="9525">
             <a:solidFill>
@@ -5587,7 +5588,7 @@
             <a:avLst/>
           </a:prstGeom>
           <a:solidFill>
-            <a:srgbClr val="FBCBA3"/>
+            <a:srgbClr val="F7BA81"/>
           </a:solidFill>
           <a:ln w="9525">
             <a:solidFill>
@@ -5660,7 +5661,7 @@
             <a:avLst/>
           </a:prstGeom>
           <a:solidFill>
-            <a:srgbClr val="FBCBA3"/>
+            <a:srgbClr val="F7BA81"/>
           </a:solidFill>
           <a:ln w="9525">
             <a:solidFill>
@@ -5733,7 +5734,7 @@
             <a:avLst/>
           </a:prstGeom>
           <a:solidFill>
-            <a:srgbClr val="FBCBA3"/>
+            <a:srgbClr val="F7BA81"/>
           </a:solidFill>
           <a:ln w="9525">
             <a:solidFill>
@@ -7320,7 +7321,7 @@
             <a:avLst/>
           </a:prstGeom>
           <a:solidFill>
-            <a:srgbClr val="FBCBA3"/>
+            <a:srgbClr val="F7BA81"/>
           </a:solidFill>
           <a:ln w="9525">
             <a:solidFill>
@@ -7393,7 +7394,7 @@
             <a:avLst/>
           </a:prstGeom>
           <a:solidFill>
-            <a:srgbClr val="FBCBA3"/>
+            <a:srgbClr val="F7BA81"/>
           </a:solidFill>
           <a:ln w="9525">
             <a:solidFill>
@@ -7466,7 +7467,7 @@
             <a:avLst/>
           </a:prstGeom>
           <a:solidFill>
-            <a:srgbClr val="FBCBA3"/>
+            <a:srgbClr val="F7BA81"/>
           </a:solidFill>
           <a:ln w="9525">
             <a:solidFill>
@@ -7947,7 +7948,7 @@
             <a:avLst/>
           </a:prstGeom>
           <a:solidFill>
-            <a:srgbClr val="FBCBA3"/>
+            <a:srgbClr val="F7BA81"/>
           </a:solidFill>
           <a:ln w="9525">
             <a:solidFill>
@@ -8020,7 +8021,7 @@
             <a:avLst/>
           </a:prstGeom>
           <a:solidFill>
-            <a:srgbClr val="FBCBA3"/>
+            <a:srgbClr val="F7BA81"/>
           </a:solidFill>
           <a:ln w="9525">
             <a:solidFill>
@@ -8093,7 +8094,7 @@
             <a:avLst/>
           </a:prstGeom>
           <a:solidFill>
-            <a:srgbClr val="FBCBA3"/>
+            <a:srgbClr val="F7BA81"/>
           </a:solidFill>
           <a:ln w="9525">
             <a:solidFill>
@@ -9427,7 +9428,7 @@
             <a:avLst/>
           </a:prstGeom>
           <a:solidFill>
-            <a:srgbClr val="FBCBA3"/>
+            <a:srgbClr val="F7BA81"/>
           </a:solidFill>
           <a:ln w="9525">
             <a:solidFill>
@@ -9500,7 +9501,7 @@
             <a:avLst/>
           </a:prstGeom>
           <a:solidFill>
-            <a:srgbClr val="FBCBA3"/>
+            <a:srgbClr val="F7BA81"/>
           </a:solidFill>
           <a:ln w="9525">
             <a:solidFill>
@@ -9573,7 +9574,7 @@
             <a:avLst/>
           </a:prstGeom>
           <a:solidFill>
-            <a:srgbClr val="FBCBA3"/>
+            <a:srgbClr val="F7BA81"/>
           </a:solidFill>
           <a:ln w="9525">
             <a:solidFill>
@@ -14740,7 +14741,7 @@
             <a:avLst/>
           </a:prstGeom>
           <a:solidFill>
-            <a:srgbClr val="FBCBA3"/>
+            <a:srgbClr val="F7BA81"/>
           </a:solidFill>
           <a:ln w="9525">
             <a:solidFill>
@@ -14813,7 +14814,7 @@
             <a:avLst/>
           </a:prstGeom>
           <a:solidFill>
-            <a:srgbClr val="FBCBA3"/>
+            <a:srgbClr val="F7BA81"/>
           </a:solidFill>
           <a:ln w="9525">
             <a:solidFill>
@@ -14886,7 +14887,7 @@
             <a:avLst/>
           </a:prstGeom>
           <a:solidFill>
-            <a:srgbClr val="FBCBA3"/>
+            <a:srgbClr val="F7BA81"/>
           </a:solidFill>
           <a:ln w="9525">
             <a:solidFill>
@@ -16038,7 +16039,7 @@
             <a:avLst/>
           </a:prstGeom>
           <a:solidFill>
-            <a:srgbClr val="FBCBA3"/>
+            <a:srgbClr val="F7BA81"/>
           </a:solidFill>
           <a:ln w="9525">
             <a:solidFill>
@@ -16111,7 +16112,7 @@
             <a:avLst/>
           </a:prstGeom>
           <a:solidFill>
-            <a:srgbClr val="FBCBA3"/>
+            <a:srgbClr val="F7BA81"/>
           </a:solidFill>
           <a:ln w="9525">
             <a:solidFill>
@@ -16184,7 +16185,7 @@
             <a:avLst/>
           </a:prstGeom>
           <a:solidFill>
-            <a:srgbClr val="FBCBA3"/>
+            <a:srgbClr val="F7BA81"/>
           </a:solidFill>
           <a:ln w="9525">
             <a:solidFill>
@@ -16299,7 +16300,7 @@
             <a:avLst/>
           </a:prstGeom>
           <a:solidFill>
-            <a:srgbClr val="FBCBA3"/>
+            <a:srgbClr val="F7BA81"/>
           </a:solidFill>
           <a:ln w="9525">
             <a:solidFill>
@@ -16745,7 +16746,7 @@
             <a:avLst/>
           </a:prstGeom>
           <a:solidFill>
-            <a:srgbClr val="FBCBA3"/>
+            <a:srgbClr val="F7BA81"/>
           </a:solidFill>
           <a:ln w="9525">
             <a:solidFill>
@@ -16818,7 +16819,7 @@
             <a:avLst/>
           </a:prstGeom>
           <a:solidFill>
-            <a:srgbClr val="FBCBA3"/>
+            <a:srgbClr val="F7BA81"/>
           </a:solidFill>
           <a:ln w="9525">
             <a:solidFill>
@@ -16891,7 +16892,7 @@
             <a:avLst/>
           </a:prstGeom>
           <a:solidFill>
-            <a:srgbClr val="FBCBA3"/>
+            <a:srgbClr val="F7BA81"/>
           </a:solidFill>
           <a:ln w="9525">
             <a:solidFill>
@@ -16964,7 +16965,7 @@
             <a:avLst/>
           </a:prstGeom>
           <a:solidFill>
-            <a:srgbClr val="FBCBA3"/>
+            <a:srgbClr val="F7BA81"/>
           </a:solidFill>
           <a:ln w="9525">
             <a:solidFill>
@@ -17438,6 +17439,1479 @@
 </file>
 
 <file path=ppt/slides/slide5.xml><?xml version="1.0" encoding="utf-8"?>
+<p:sld xmlns:a="http://schemas.openxmlformats.org/drawingml/2006/main" xmlns:r="http://schemas.openxmlformats.org/officeDocument/2006/relationships" xmlns:p="http://schemas.openxmlformats.org/presentationml/2006/main">
+  <p:cSld>
+    <p:spTree>
+      <p:nvGrpSpPr>
+        <p:cNvPr id="1" name=""/>
+        <p:cNvGrpSpPr/>
+        <p:nvPr/>
+      </p:nvGrpSpPr>
+      <p:grpSpPr>
+        <a:xfrm>
+          <a:off x="0" y="0"/>
+          <a:ext cx="0" cy="0"/>
+          <a:chOff x="0" y="0"/>
+          <a:chExt cx="0" cy="0"/>
+        </a:xfrm>
+      </p:grpSpPr>
+      <p:sp>
+        <p:nvSpPr>
+          <p:cNvPr id="4" name="矩形 3">
+            <a:extLst>
+              <a:ext uri="{FF2B5EF4-FFF2-40B4-BE49-F238E27FC236}">
+                <a16:creationId xmlns:a16="http://schemas.microsoft.com/office/drawing/2014/main" id="{14E2150D-4F23-4586-A119-5C5B0CDE64AB}"/>
+              </a:ext>
+            </a:extLst>
+          </p:cNvPr>
+          <p:cNvSpPr/>
+          <p:nvPr/>
+        </p:nvSpPr>
+        <p:spPr>
+          <a:xfrm>
+            <a:off x="153707" y="439405"/>
+            <a:ext cx="3240000" cy="5760000"/>
+          </a:xfrm>
+          <a:prstGeom prst="rect">
+            <a:avLst/>
+          </a:prstGeom>
+          <a:solidFill>
+            <a:schemeClr val="bg1">
+              <a:lumMod val="85000"/>
+            </a:schemeClr>
+          </a:solidFill>
+          <a:ln>
+            <a:solidFill>
+              <a:schemeClr val="tx1"/>
+            </a:solidFill>
+          </a:ln>
+        </p:spPr>
+        <p:style>
+          <a:lnRef idx="2">
+            <a:schemeClr val="accent1">
+              <a:shade val="50000"/>
+            </a:schemeClr>
+          </a:lnRef>
+          <a:fillRef idx="1">
+            <a:schemeClr val="accent1"/>
+          </a:fillRef>
+          <a:effectRef idx="0">
+            <a:schemeClr val="accent1"/>
+          </a:effectRef>
+          <a:fontRef idx="minor">
+            <a:schemeClr val="lt1"/>
+          </a:fontRef>
+        </p:style>
+        <p:txBody>
+          <a:bodyPr rtlCol="0" anchor="ctr"/>
+          <a:lstStyle/>
+          <a:p>
+            <a:pPr algn="ctr"/>
+            <a:endParaRPr lang="zh-CN" altLang="en-US"/>
+          </a:p>
+        </p:txBody>
+      </p:sp>
+      <p:sp>
+        <p:nvSpPr>
+          <p:cNvPr id="7" name="矩形 6">
+            <a:extLst>
+              <a:ext uri="{FF2B5EF4-FFF2-40B4-BE49-F238E27FC236}">
+                <a16:creationId xmlns:a16="http://schemas.microsoft.com/office/drawing/2014/main" id="{FC5462EA-1C2F-4F53-B18B-7C7F4A7CB3CF}"/>
+              </a:ext>
+            </a:extLst>
+          </p:cNvPr>
+          <p:cNvSpPr/>
+          <p:nvPr/>
+        </p:nvSpPr>
+        <p:spPr>
+          <a:xfrm>
+            <a:off x="170328" y="476674"/>
+            <a:ext cx="3213496" cy="547132"/>
+          </a:xfrm>
+          <a:prstGeom prst="rect">
+            <a:avLst/>
+          </a:prstGeom>
+          <a:solidFill>
+            <a:schemeClr val="bg1"/>
+          </a:solidFill>
+          <a:ln>
+            <a:noFill/>
+          </a:ln>
+        </p:spPr>
+        <p:style>
+          <a:lnRef idx="2">
+            <a:schemeClr val="accent1">
+              <a:shade val="50000"/>
+            </a:schemeClr>
+          </a:lnRef>
+          <a:fillRef idx="1">
+            <a:schemeClr val="accent1"/>
+          </a:fillRef>
+          <a:effectRef idx="0">
+            <a:schemeClr val="accent1"/>
+          </a:effectRef>
+          <a:fontRef idx="minor">
+            <a:schemeClr val="lt1"/>
+          </a:fontRef>
+        </p:style>
+        <p:txBody>
+          <a:bodyPr rtlCol="0" anchor="ctr"/>
+          <a:lstStyle/>
+          <a:p>
+            <a:pPr algn="ctr"/>
+            <a:endParaRPr lang="zh-CN" altLang="en-US"/>
+          </a:p>
+        </p:txBody>
+      </p:sp>
+      <p:cxnSp>
+        <p:nvCxnSpPr>
+          <p:cNvPr id="8" name="直接连接符 7">
+            <a:extLst>
+              <a:ext uri="{FF2B5EF4-FFF2-40B4-BE49-F238E27FC236}">
+                <a16:creationId xmlns:a16="http://schemas.microsoft.com/office/drawing/2014/main" id="{130ABDDD-34C3-46B8-97C8-8CB5A4A6DDE2}"/>
+              </a:ext>
+            </a:extLst>
+          </p:cNvPr>
+          <p:cNvCxnSpPr/>
+          <p:nvPr/>
+        </p:nvCxnSpPr>
+        <p:spPr>
+          <a:xfrm>
+            <a:off x="153707" y="1015469"/>
+            <a:ext cx="3240000" cy="0"/>
+          </a:xfrm>
+          <a:prstGeom prst="line">
+            <a:avLst/>
+          </a:prstGeom>
+        </p:spPr>
+        <p:style>
+          <a:lnRef idx="1">
+            <a:schemeClr val="accent1"/>
+          </a:lnRef>
+          <a:fillRef idx="0">
+            <a:schemeClr val="accent1"/>
+          </a:fillRef>
+          <a:effectRef idx="0">
+            <a:schemeClr val="accent1"/>
+          </a:effectRef>
+          <a:fontRef idx="minor">
+            <a:schemeClr val="tx1"/>
+          </a:fontRef>
+        </p:style>
+      </p:cxnSp>
+      <p:sp>
+        <p:nvSpPr>
+          <p:cNvPr id="10" name="文本框 9">
+            <a:extLst>
+              <a:ext uri="{FF2B5EF4-FFF2-40B4-BE49-F238E27FC236}">
+                <a16:creationId xmlns:a16="http://schemas.microsoft.com/office/drawing/2014/main" id="{67509BCF-A24A-4183-866F-33E3B8BB6A90}"/>
+              </a:ext>
+            </a:extLst>
+          </p:cNvPr>
+          <p:cNvSpPr txBox="1"/>
+          <p:nvPr/>
+        </p:nvSpPr>
+        <p:spPr>
+          <a:xfrm>
+            <a:off x="-252536" y="580038"/>
+            <a:ext cx="4032448" cy="369332"/>
+          </a:xfrm>
+          <a:prstGeom prst="rect">
+            <a:avLst/>
+          </a:prstGeom>
+          <a:noFill/>
+        </p:spPr>
+        <p:txBody>
+          <a:bodyPr wrap="square" rtlCol="0">
+            <a:spAutoFit/>
+          </a:bodyPr>
+          <a:lstStyle/>
+          <a:p>
+            <a:pPr algn="ctr"/>
+            <a:r>
+              <a:rPr lang="zh-CN" altLang="en-US" dirty="0"/>
+              <a:t>小程序顶部栏及系统通知栏</a:t>
+            </a:r>
+          </a:p>
+        </p:txBody>
+      </p:sp>
+      <p:sp>
+        <p:nvSpPr>
+          <p:cNvPr id="27" name="矩形 26">
+            <a:extLst>
+              <a:ext uri="{FF2B5EF4-FFF2-40B4-BE49-F238E27FC236}">
+                <a16:creationId xmlns:a16="http://schemas.microsoft.com/office/drawing/2014/main" id="{D1EF18B4-AB6C-4994-907E-9657536A6C49}"/>
+              </a:ext>
+            </a:extLst>
+          </p:cNvPr>
+          <p:cNvSpPr/>
+          <p:nvPr/>
+        </p:nvSpPr>
+        <p:spPr>
+          <a:xfrm>
+            <a:off x="170328" y="1015468"/>
+            <a:ext cx="3213495" cy="3133605"/>
+          </a:xfrm>
+          <a:prstGeom prst="rect">
+            <a:avLst/>
+          </a:prstGeom>
+          <a:solidFill>
+            <a:srgbClr val="F8F8FA"/>
+          </a:solidFill>
+          <a:ln>
+            <a:noFill/>
+          </a:ln>
+          <a:effectLst>
+            <a:outerShdw blurRad="50800" dist="38100" dir="5400000" sx="98000" sy="98000" algn="t" rotWithShape="0">
+              <a:prstClr val="black">
+                <a:alpha val="49000"/>
+              </a:prstClr>
+            </a:outerShdw>
+          </a:effectLst>
+        </p:spPr>
+        <p:style>
+          <a:lnRef idx="2">
+            <a:schemeClr val="accent1">
+              <a:shade val="50000"/>
+            </a:schemeClr>
+          </a:lnRef>
+          <a:fillRef idx="1">
+            <a:schemeClr val="accent1"/>
+          </a:fillRef>
+          <a:effectRef idx="0">
+            <a:schemeClr val="accent1"/>
+          </a:effectRef>
+          <a:fontRef idx="minor">
+            <a:schemeClr val="lt1"/>
+          </a:fontRef>
+        </p:style>
+        <p:txBody>
+          <a:bodyPr rtlCol="0" anchor="ctr"/>
+          <a:lstStyle/>
+          <a:p>
+            <a:pPr algn="ctr"/>
+            <a:endParaRPr lang="zh-CN" altLang="en-US"/>
+          </a:p>
+        </p:txBody>
+      </p:sp>
+      <p:sp>
+        <p:nvSpPr>
+          <p:cNvPr id="28" name="矩形: 圆角 27">
+            <a:extLst>
+              <a:ext uri="{FF2B5EF4-FFF2-40B4-BE49-F238E27FC236}">
+                <a16:creationId xmlns:a16="http://schemas.microsoft.com/office/drawing/2014/main" id="{14821300-9F0D-4BF6-91E5-CC6ED9370A6B}"/>
+              </a:ext>
+            </a:extLst>
+          </p:cNvPr>
+          <p:cNvSpPr/>
+          <p:nvPr/>
+        </p:nvSpPr>
+        <p:spPr>
+          <a:xfrm>
+            <a:off x="251520" y="1081569"/>
+            <a:ext cx="3024336" cy="288000"/>
+          </a:xfrm>
+          <a:prstGeom prst="roundRect">
+            <a:avLst/>
+          </a:prstGeom>
+          <a:solidFill>
+            <a:srgbClr val="D9D9D9"/>
+          </a:solidFill>
+          <a:ln>
+            <a:noFill/>
+          </a:ln>
+        </p:spPr>
+        <p:style>
+          <a:lnRef idx="2">
+            <a:schemeClr val="accent1">
+              <a:shade val="50000"/>
+            </a:schemeClr>
+          </a:lnRef>
+          <a:fillRef idx="1">
+            <a:schemeClr val="accent1"/>
+          </a:fillRef>
+          <a:effectRef idx="0">
+            <a:schemeClr val="accent1"/>
+          </a:effectRef>
+          <a:fontRef idx="minor">
+            <a:schemeClr val="lt1"/>
+          </a:fontRef>
+        </p:style>
+        <p:txBody>
+          <a:bodyPr rtlCol="0" anchor="ctr"/>
+          <a:lstStyle/>
+          <a:p>
+            <a:pPr algn="ctr"/>
+            <a:endParaRPr lang="zh-CN" altLang="en-US" dirty="0"/>
+          </a:p>
+        </p:txBody>
+      </p:sp>
+      <p:pic>
+        <p:nvPicPr>
+          <p:cNvPr id="30" name="图片 29">
+            <a:extLst>
+              <a:ext uri="{FF2B5EF4-FFF2-40B4-BE49-F238E27FC236}">
+                <a16:creationId xmlns:a16="http://schemas.microsoft.com/office/drawing/2014/main" id="{628BA3EA-9C55-4F0E-BD2D-0077233F10E3}"/>
+              </a:ext>
+            </a:extLst>
+          </p:cNvPr>
+          <p:cNvPicPr>
+            <a:picLocks noChangeAspect="1"/>
+          </p:cNvPicPr>
+          <p:nvPr/>
+        </p:nvPicPr>
+        <p:blipFill>
+          <a:blip r:embed="rId2" cstate="print">
+            <a:extLst>
+              <a:ext uri="{28A0092B-C50C-407E-A947-70E740481C1C}">
+                <a14:useLocalDpi xmlns:a14="http://schemas.microsoft.com/office/drawing/2010/main" val="0"/>
+              </a:ext>
+            </a:extLst>
+          </a:blip>
+          <a:stretch>
+            <a:fillRect/>
+          </a:stretch>
+        </p:blipFill>
+        <p:spPr>
+          <a:xfrm flipV="1">
+            <a:off x="325326" y="1123099"/>
+            <a:ext cx="204939" cy="204939"/>
+          </a:xfrm>
+          <a:prstGeom prst="rect">
+            <a:avLst/>
+          </a:prstGeom>
+        </p:spPr>
+      </p:pic>
+      <p:sp>
+        <p:nvSpPr>
+          <p:cNvPr id="31" name="矩形: 圆角 30">
+            <a:extLst>
+              <a:ext uri="{FF2B5EF4-FFF2-40B4-BE49-F238E27FC236}">
+                <a16:creationId xmlns:a16="http://schemas.microsoft.com/office/drawing/2014/main" id="{F141A502-6065-4122-A173-0FAD9E9781B3}"/>
+              </a:ext>
+            </a:extLst>
+          </p:cNvPr>
+          <p:cNvSpPr/>
+          <p:nvPr/>
+        </p:nvSpPr>
+        <p:spPr>
+          <a:xfrm>
+            <a:off x="2771800" y="1081568"/>
+            <a:ext cx="504055" cy="288000"/>
+          </a:xfrm>
+          <a:prstGeom prst="roundRect">
+            <a:avLst/>
+          </a:prstGeom>
+          <a:solidFill>
+            <a:srgbClr val="428DFF"/>
+          </a:solidFill>
+          <a:ln>
+            <a:noFill/>
+          </a:ln>
+        </p:spPr>
+        <p:style>
+          <a:lnRef idx="2">
+            <a:schemeClr val="accent1">
+              <a:shade val="50000"/>
+            </a:schemeClr>
+          </a:lnRef>
+          <a:fillRef idx="1">
+            <a:schemeClr val="accent1"/>
+          </a:fillRef>
+          <a:effectRef idx="0">
+            <a:schemeClr val="accent1"/>
+          </a:effectRef>
+          <a:fontRef idx="minor">
+            <a:schemeClr val="lt1"/>
+          </a:fontRef>
+        </p:style>
+        <p:txBody>
+          <a:bodyPr rtlCol="0" anchor="ctr"/>
+          <a:lstStyle/>
+          <a:p>
+            <a:pPr algn="ctr"/>
+            <a:r>
+              <a:rPr lang="zh-CN" altLang="en-US" sz="1100" dirty="0">
+                <a:latin typeface="+mj-ea"/>
+                <a:ea typeface="+mj-ea"/>
+              </a:rPr>
+              <a:t>搜索</a:t>
+            </a:r>
+          </a:p>
+        </p:txBody>
+      </p:sp>
+      <p:sp>
+        <p:nvSpPr>
+          <p:cNvPr id="32" name="文本框 31">
+            <a:extLst>
+              <a:ext uri="{FF2B5EF4-FFF2-40B4-BE49-F238E27FC236}">
+                <a16:creationId xmlns:a16="http://schemas.microsoft.com/office/drawing/2014/main" id="{3D239945-6C57-41B8-9E6A-902D33A34AFA}"/>
+              </a:ext>
+            </a:extLst>
+          </p:cNvPr>
+          <p:cNvSpPr txBox="1"/>
+          <p:nvPr/>
+        </p:nvSpPr>
+        <p:spPr>
+          <a:xfrm>
+            <a:off x="530265" y="1089905"/>
+            <a:ext cx="1081597" cy="261610"/>
+          </a:xfrm>
+          <a:prstGeom prst="rect">
+            <a:avLst/>
+          </a:prstGeom>
+          <a:noFill/>
+        </p:spPr>
+        <p:txBody>
+          <a:bodyPr wrap="square" rtlCol="0">
+            <a:spAutoFit/>
+          </a:bodyPr>
+          <a:lstStyle/>
+          <a:p>
+            <a:r>
+              <a:rPr lang="zh-CN" altLang="en-US" sz="1100" dirty="0">
+                <a:solidFill>
+                  <a:srgbClr val="808080"/>
+                </a:solidFill>
+              </a:rPr>
+              <a:t>搜索发布内容</a:t>
+            </a:r>
+          </a:p>
+        </p:txBody>
+      </p:sp>
+      <p:sp>
+        <p:nvSpPr>
+          <p:cNvPr id="33" name="流程图: 终止 32">
+            <a:extLst>
+              <a:ext uri="{FF2B5EF4-FFF2-40B4-BE49-F238E27FC236}">
+                <a16:creationId xmlns:a16="http://schemas.microsoft.com/office/drawing/2014/main" id="{0091BDC6-E8C2-4BB7-BAF7-69754F0523D6}"/>
+              </a:ext>
+            </a:extLst>
+          </p:cNvPr>
+          <p:cNvSpPr/>
+          <p:nvPr/>
+        </p:nvSpPr>
+        <p:spPr>
+          <a:xfrm>
+            <a:off x="282498" y="1436622"/>
+            <a:ext cx="576293" cy="144000"/>
+          </a:xfrm>
+          <a:prstGeom prst="flowChartTerminator">
+            <a:avLst/>
+          </a:prstGeom>
+          <a:solidFill>
+            <a:srgbClr val="F7BA81"/>
+          </a:solidFill>
+          <a:ln w="9525">
+            <a:solidFill>
+              <a:schemeClr val="accent6">
+                <a:lumMod val="60000"/>
+                <a:lumOff val="40000"/>
+              </a:schemeClr>
+            </a:solidFill>
+          </a:ln>
+        </p:spPr>
+        <p:style>
+          <a:lnRef idx="2">
+            <a:schemeClr val="accent1">
+              <a:shade val="50000"/>
+            </a:schemeClr>
+          </a:lnRef>
+          <a:fillRef idx="1">
+            <a:schemeClr val="accent1"/>
+          </a:fillRef>
+          <a:effectRef idx="0">
+            <a:schemeClr val="accent1"/>
+          </a:effectRef>
+          <a:fontRef idx="minor">
+            <a:schemeClr val="lt1"/>
+          </a:fontRef>
+        </p:style>
+        <p:txBody>
+          <a:bodyPr rtlCol="0" anchor="ctr"/>
+          <a:lstStyle/>
+          <a:p>
+            <a:pPr algn="ctr"/>
+            <a:r>
+              <a:rPr lang="en-US" altLang="zh-CN" sz="1100" dirty="0">
+                <a:solidFill>
+                  <a:schemeClr val="accent2">
+                    <a:lumMod val="50000"/>
+                  </a:schemeClr>
+                </a:solidFill>
+              </a:rPr>
+              <a:t>tag1</a:t>
+            </a:r>
+            <a:endParaRPr lang="zh-CN" altLang="en-US" sz="1100" dirty="0">
+              <a:solidFill>
+                <a:schemeClr val="accent2">
+                  <a:lumMod val="50000"/>
+                </a:schemeClr>
+              </a:solidFill>
+            </a:endParaRPr>
+          </a:p>
+        </p:txBody>
+      </p:sp>
+      <p:sp>
+        <p:nvSpPr>
+          <p:cNvPr id="34" name="流程图: 终止 33">
+            <a:extLst>
+              <a:ext uri="{FF2B5EF4-FFF2-40B4-BE49-F238E27FC236}">
+                <a16:creationId xmlns:a16="http://schemas.microsoft.com/office/drawing/2014/main" id="{3CDD9D96-7ED3-432F-B763-976A2051F343}"/>
+              </a:ext>
+            </a:extLst>
+          </p:cNvPr>
+          <p:cNvSpPr/>
+          <p:nvPr/>
+        </p:nvSpPr>
+        <p:spPr>
+          <a:xfrm>
+            <a:off x="963835" y="1436621"/>
+            <a:ext cx="868495" cy="144000"/>
+          </a:xfrm>
+          <a:prstGeom prst="flowChartTerminator">
+            <a:avLst/>
+          </a:prstGeom>
+          <a:solidFill>
+            <a:srgbClr val="F7BA81"/>
+          </a:solidFill>
+          <a:ln w="9525">
+            <a:solidFill>
+              <a:schemeClr val="accent6">
+                <a:lumMod val="60000"/>
+                <a:lumOff val="40000"/>
+              </a:schemeClr>
+            </a:solidFill>
+          </a:ln>
+        </p:spPr>
+        <p:style>
+          <a:lnRef idx="2">
+            <a:schemeClr val="accent1">
+              <a:shade val="50000"/>
+            </a:schemeClr>
+          </a:lnRef>
+          <a:fillRef idx="1">
+            <a:schemeClr val="accent1"/>
+          </a:fillRef>
+          <a:effectRef idx="0">
+            <a:schemeClr val="accent1"/>
+          </a:effectRef>
+          <a:fontRef idx="minor">
+            <a:schemeClr val="lt1"/>
+          </a:fontRef>
+        </p:style>
+        <p:txBody>
+          <a:bodyPr rtlCol="0" anchor="ctr"/>
+          <a:lstStyle/>
+          <a:p>
+            <a:pPr algn="ctr"/>
+            <a:r>
+              <a:rPr lang="en-US" altLang="zh-CN" sz="1100" dirty="0">
+                <a:solidFill>
+                  <a:schemeClr val="accent2">
+                    <a:lumMod val="50000"/>
+                  </a:schemeClr>
+                </a:solidFill>
+              </a:rPr>
+              <a:t>tag11111</a:t>
+            </a:r>
+            <a:endParaRPr lang="zh-CN" altLang="en-US" sz="1100" dirty="0">
+              <a:solidFill>
+                <a:schemeClr val="accent2">
+                  <a:lumMod val="50000"/>
+                </a:schemeClr>
+              </a:solidFill>
+            </a:endParaRPr>
+          </a:p>
+        </p:txBody>
+      </p:sp>
+      <p:sp>
+        <p:nvSpPr>
+          <p:cNvPr id="35" name="流程图: 终止 34">
+            <a:extLst>
+              <a:ext uri="{FF2B5EF4-FFF2-40B4-BE49-F238E27FC236}">
+                <a16:creationId xmlns:a16="http://schemas.microsoft.com/office/drawing/2014/main" id="{968A573B-D167-4C2B-B67A-1A5D1D46D918}"/>
+              </a:ext>
+            </a:extLst>
+          </p:cNvPr>
+          <p:cNvSpPr/>
+          <p:nvPr/>
+        </p:nvSpPr>
+        <p:spPr>
+          <a:xfrm>
+            <a:off x="1937374" y="1436622"/>
+            <a:ext cx="576293" cy="144000"/>
+          </a:xfrm>
+          <a:prstGeom prst="flowChartTerminator">
+            <a:avLst/>
+          </a:prstGeom>
+          <a:solidFill>
+            <a:srgbClr val="F7BA81"/>
+          </a:solidFill>
+          <a:ln w="9525">
+            <a:solidFill>
+              <a:schemeClr val="accent6">
+                <a:lumMod val="60000"/>
+                <a:lumOff val="40000"/>
+              </a:schemeClr>
+            </a:solidFill>
+          </a:ln>
+        </p:spPr>
+        <p:style>
+          <a:lnRef idx="2">
+            <a:schemeClr val="accent1">
+              <a:shade val="50000"/>
+            </a:schemeClr>
+          </a:lnRef>
+          <a:fillRef idx="1">
+            <a:schemeClr val="accent1"/>
+          </a:fillRef>
+          <a:effectRef idx="0">
+            <a:schemeClr val="accent1"/>
+          </a:effectRef>
+          <a:fontRef idx="minor">
+            <a:schemeClr val="lt1"/>
+          </a:fontRef>
+        </p:style>
+        <p:txBody>
+          <a:bodyPr rtlCol="0" anchor="ctr"/>
+          <a:lstStyle/>
+          <a:p>
+            <a:pPr algn="ctr"/>
+            <a:r>
+              <a:rPr lang="en-US" altLang="zh-CN" sz="1100" dirty="0">
+                <a:solidFill>
+                  <a:schemeClr val="accent2">
+                    <a:lumMod val="50000"/>
+                  </a:schemeClr>
+                </a:solidFill>
+              </a:rPr>
+              <a:t>tag1</a:t>
+            </a:r>
+            <a:endParaRPr lang="zh-CN" altLang="en-US" sz="1100" dirty="0">
+              <a:solidFill>
+                <a:schemeClr val="accent2">
+                  <a:lumMod val="50000"/>
+                </a:schemeClr>
+              </a:solidFill>
+            </a:endParaRPr>
+          </a:p>
+        </p:txBody>
+      </p:sp>
+      <p:sp>
+        <p:nvSpPr>
+          <p:cNvPr id="36" name="流程图: 终止 35">
+            <a:extLst>
+              <a:ext uri="{FF2B5EF4-FFF2-40B4-BE49-F238E27FC236}">
+                <a16:creationId xmlns:a16="http://schemas.microsoft.com/office/drawing/2014/main" id="{584DA4B8-856A-475B-99C1-49B0B2C9B88A}"/>
+              </a:ext>
+            </a:extLst>
+          </p:cNvPr>
+          <p:cNvSpPr/>
+          <p:nvPr/>
+        </p:nvSpPr>
+        <p:spPr>
+          <a:xfrm>
+            <a:off x="2583380" y="1436621"/>
+            <a:ext cx="576293" cy="144000"/>
+          </a:xfrm>
+          <a:prstGeom prst="flowChartTerminator">
+            <a:avLst/>
+          </a:prstGeom>
+          <a:solidFill>
+            <a:srgbClr val="F7BA81"/>
+          </a:solidFill>
+          <a:ln w="9525">
+            <a:solidFill>
+              <a:schemeClr val="accent6">
+                <a:lumMod val="60000"/>
+                <a:lumOff val="40000"/>
+              </a:schemeClr>
+            </a:solidFill>
+          </a:ln>
+        </p:spPr>
+        <p:style>
+          <a:lnRef idx="2">
+            <a:schemeClr val="accent1">
+              <a:shade val="50000"/>
+            </a:schemeClr>
+          </a:lnRef>
+          <a:fillRef idx="1">
+            <a:schemeClr val="accent1"/>
+          </a:fillRef>
+          <a:effectRef idx="0">
+            <a:schemeClr val="accent1"/>
+          </a:effectRef>
+          <a:fontRef idx="minor">
+            <a:schemeClr val="lt1"/>
+          </a:fontRef>
+        </p:style>
+        <p:txBody>
+          <a:bodyPr rtlCol="0" anchor="ctr"/>
+          <a:lstStyle/>
+          <a:p>
+            <a:pPr algn="ctr"/>
+            <a:r>
+              <a:rPr lang="en-US" altLang="zh-CN" sz="1100" dirty="0">
+                <a:solidFill>
+                  <a:schemeClr val="accent2">
+                    <a:lumMod val="50000"/>
+                  </a:schemeClr>
+                </a:solidFill>
+              </a:rPr>
+              <a:t>tag1</a:t>
+            </a:r>
+            <a:endParaRPr lang="zh-CN" altLang="en-US" sz="1100" dirty="0">
+              <a:solidFill>
+                <a:schemeClr val="accent2">
+                  <a:lumMod val="50000"/>
+                </a:schemeClr>
+              </a:solidFill>
+            </a:endParaRPr>
+          </a:p>
+        </p:txBody>
+      </p:sp>
+      <p:sp>
+        <p:nvSpPr>
+          <p:cNvPr id="39" name="文本框 38">
+            <a:extLst>
+              <a:ext uri="{FF2B5EF4-FFF2-40B4-BE49-F238E27FC236}">
+                <a16:creationId xmlns:a16="http://schemas.microsoft.com/office/drawing/2014/main" id="{69FB2789-CDB8-4AC3-8234-A4F5DEA7DB97}"/>
+              </a:ext>
+            </a:extLst>
+          </p:cNvPr>
+          <p:cNvSpPr txBox="1"/>
+          <p:nvPr/>
+        </p:nvSpPr>
+        <p:spPr>
+          <a:xfrm>
+            <a:off x="383035" y="1659762"/>
+            <a:ext cx="2892816" cy="253916"/>
+          </a:xfrm>
+          <a:prstGeom prst="rect">
+            <a:avLst/>
+          </a:prstGeom>
+          <a:noFill/>
+        </p:spPr>
+        <p:txBody>
+          <a:bodyPr wrap="square" rtlCol="0">
+            <a:spAutoFit/>
+          </a:bodyPr>
+          <a:lstStyle/>
+          <a:p>
+            <a:r>
+              <a:rPr lang="zh-CN" altLang="en-US" sz="1050" dirty="0">
+                <a:solidFill>
+                  <a:srgbClr val="5A5A5A"/>
+                </a:solidFill>
+              </a:rPr>
+              <a:t>该用户的搜索历史</a:t>
+            </a:r>
+            <a:r>
+              <a:rPr lang="en-US" altLang="zh-CN" sz="1050" dirty="0">
+                <a:solidFill>
+                  <a:srgbClr val="5A5A5A"/>
+                </a:solidFill>
+              </a:rPr>
+              <a:t>1</a:t>
+            </a:r>
+            <a:endParaRPr lang="zh-CN" altLang="en-US" sz="1050" dirty="0">
+              <a:solidFill>
+                <a:srgbClr val="5A5A5A"/>
+              </a:solidFill>
+            </a:endParaRPr>
+          </a:p>
+        </p:txBody>
+      </p:sp>
+      <p:pic>
+        <p:nvPicPr>
+          <p:cNvPr id="41" name="图片 40">
+            <a:extLst>
+              <a:ext uri="{FF2B5EF4-FFF2-40B4-BE49-F238E27FC236}">
+                <a16:creationId xmlns:a16="http://schemas.microsoft.com/office/drawing/2014/main" id="{86627829-6A84-46FB-A892-0FC8E0F37EE9}"/>
+              </a:ext>
+            </a:extLst>
+          </p:cNvPr>
+          <p:cNvPicPr>
+            <a:picLocks noChangeAspect="1"/>
+          </p:cNvPicPr>
+          <p:nvPr/>
+        </p:nvPicPr>
+        <p:blipFill>
+          <a:blip r:embed="rId3" cstate="print">
+            <a:extLst>
+              <a:ext uri="{28A0092B-C50C-407E-A947-70E740481C1C}">
+                <a14:useLocalDpi xmlns:a14="http://schemas.microsoft.com/office/drawing/2010/main" val="0"/>
+              </a:ext>
+            </a:extLst>
+          </a:blip>
+          <a:stretch>
+            <a:fillRect/>
+          </a:stretch>
+        </p:blipFill>
+        <p:spPr>
+          <a:xfrm>
+            <a:off x="255050" y="1707520"/>
+            <a:ext cx="158400" cy="158400"/>
+          </a:xfrm>
+          <a:prstGeom prst="rect">
+            <a:avLst/>
+          </a:prstGeom>
+        </p:spPr>
+      </p:pic>
+      <p:cxnSp>
+        <p:nvCxnSpPr>
+          <p:cNvPr id="42" name="直接连接符 41">
+            <a:extLst>
+              <a:ext uri="{FF2B5EF4-FFF2-40B4-BE49-F238E27FC236}">
+                <a16:creationId xmlns:a16="http://schemas.microsoft.com/office/drawing/2014/main" id="{CCC0CE67-F91D-4038-9044-D5778749208F}"/>
+              </a:ext>
+            </a:extLst>
+          </p:cNvPr>
+          <p:cNvCxnSpPr>
+            <a:cxnSpLocks/>
+          </p:cNvCxnSpPr>
+          <p:nvPr/>
+        </p:nvCxnSpPr>
+        <p:spPr>
+          <a:xfrm>
+            <a:off x="251520" y="1913678"/>
+            <a:ext cx="3024335" cy="0"/>
+          </a:xfrm>
+          <a:prstGeom prst="line">
+            <a:avLst/>
+          </a:prstGeom>
+          <a:ln w="12700" cap="rnd">
+            <a:solidFill>
+              <a:schemeClr val="bg1">
+                <a:lumMod val="65000"/>
+              </a:schemeClr>
+            </a:solidFill>
+            <a:round/>
+          </a:ln>
+          <a:effectLst>
+            <a:softEdge rad="6350"/>
+          </a:effectLst>
+        </p:spPr>
+        <p:style>
+          <a:lnRef idx="1">
+            <a:schemeClr val="accent1"/>
+          </a:lnRef>
+          <a:fillRef idx="0">
+            <a:schemeClr val="accent1"/>
+          </a:fillRef>
+          <a:effectRef idx="0">
+            <a:schemeClr val="accent1"/>
+          </a:effectRef>
+          <a:fontRef idx="minor">
+            <a:schemeClr val="tx1"/>
+          </a:fontRef>
+        </p:style>
+      </p:cxnSp>
+      <p:sp>
+        <p:nvSpPr>
+          <p:cNvPr id="50" name="文本框 49">
+            <a:extLst>
+              <a:ext uri="{FF2B5EF4-FFF2-40B4-BE49-F238E27FC236}">
+                <a16:creationId xmlns:a16="http://schemas.microsoft.com/office/drawing/2014/main" id="{26FFC6C4-047E-41F4-A125-9B202D585C14}"/>
+              </a:ext>
+            </a:extLst>
+          </p:cNvPr>
+          <p:cNvSpPr txBox="1"/>
+          <p:nvPr/>
+        </p:nvSpPr>
+        <p:spPr>
+          <a:xfrm>
+            <a:off x="383035" y="1922014"/>
+            <a:ext cx="2892818" cy="253916"/>
+          </a:xfrm>
+          <a:prstGeom prst="rect">
+            <a:avLst/>
+          </a:prstGeom>
+          <a:noFill/>
+        </p:spPr>
+        <p:txBody>
+          <a:bodyPr wrap="square" rtlCol="0">
+            <a:spAutoFit/>
+          </a:bodyPr>
+          <a:lstStyle/>
+          <a:p>
+            <a:r>
+              <a:rPr lang="zh-CN" altLang="en-US" sz="1050" dirty="0">
+                <a:solidFill>
+                  <a:srgbClr val="5A5A5A"/>
+                </a:solidFill>
+              </a:rPr>
+              <a:t>该用户的搜索历史</a:t>
+            </a:r>
+            <a:r>
+              <a:rPr lang="en-US" altLang="zh-CN" sz="1050" dirty="0">
+                <a:solidFill>
+                  <a:srgbClr val="5A5A5A"/>
+                </a:solidFill>
+              </a:rPr>
+              <a:t>222222222</a:t>
+            </a:r>
+            <a:endParaRPr lang="zh-CN" altLang="en-US" sz="1050" dirty="0">
+              <a:solidFill>
+                <a:srgbClr val="5A5A5A"/>
+              </a:solidFill>
+            </a:endParaRPr>
+          </a:p>
+        </p:txBody>
+      </p:sp>
+      <p:pic>
+        <p:nvPicPr>
+          <p:cNvPr id="51" name="图片 50">
+            <a:extLst>
+              <a:ext uri="{FF2B5EF4-FFF2-40B4-BE49-F238E27FC236}">
+                <a16:creationId xmlns:a16="http://schemas.microsoft.com/office/drawing/2014/main" id="{88DE8B7E-D18A-4915-9A9B-F04BE7A4F6A9}"/>
+              </a:ext>
+            </a:extLst>
+          </p:cNvPr>
+          <p:cNvPicPr>
+            <a:picLocks noChangeAspect="1"/>
+          </p:cNvPicPr>
+          <p:nvPr/>
+        </p:nvPicPr>
+        <p:blipFill>
+          <a:blip r:embed="rId3" cstate="print">
+            <a:extLst>
+              <a:ext uri="{28A0092B-C50C-407E-A947-70E740481C1C}">
+                <a14:useLocalDpi xmlns:a14="http://schemas.microsoft.com/office/drawing/2010/main" val="0"/>
+              </a:ext>
+            </a:extLst>
+          </a:blip>
+          <a:stretch>
+            <a:fillRect/>
+          </a:stretch>
+        </p:blipFill>
+        <p:spPr>
+          <a:xfrm>
+            <a:off x="255050" y="1969772"/>
+            <a:ext cx="158400" cy="158400"/>
+          </a:xfrm>
+          <a:prstGeom prst="rect">
+            <a:avLst/>
+          </a:prstGeom>
+        </p:spPr>
+      </p:pic>
+      <p:cxnSp>
+        <p:nvCxnSpPr>
+          <p:cNvPr id="52" name="直接连接符 51">
+            <a:extLst>
+              <a:ext uri="{FF2B5EF4-FFF2-40B4-BE49-F238E27FC236}">
+                <a16:creationId xmlns:a16="http://schemas.microsoft.com/office/drawing/2014/main" id="{44E1AF35-08A2-4BCE-AC79-345CFA6906ED}"/>
+              </a:ext>
+            </a:extLst>
+          </p:cNvPr>
+          <p:cNvCxnSpPr>
+            <a:cxnSpLocks/>
+          </p:cNvCxnSpPr>
+          <p:nvPr/>
+        </p:nvCxnSpPr>
+        <p:spPr>
+          <a:xfrm>
+            <a:off x="251520" y="2175930"/>
+            <a:ext cx="3024335" cy="0"/>
+          </a:xfrm>
+          <a:prstGeom prst="line">
+            <a:avLst/>
+          </a:prstGeom>
+          <a:ln w="12700" cap="rnd">
+            <a:solidFill>
+              <a:schemeClr val="bg1">
+                <a:lumMod val="65000"/>
+              </a:schemeClr>
+            </a:solidFill>
+            <a:round/>
+          </a:ln>
+          <a:effectLst>
+            <a:softEdge rad="6350"/>
+          </a:effectLst>
+        </p:spPr>
+        <p:style>
+          <a:lnRef idx="1">
+            <a:schemeClr val="accent1"/>
+          </a:lnRef>
+          <a:fillRef idx="0">
+            <a:schemeClr val="accent1"/>
+          </a:fillRef>
+          <a:effectRef idx="0">
+            <a:schemeClr val="accent1"/>
+          </a:effectRef>
+          <a:fontRef idx="minor">
+            <a:schemeClr val="tx1"/>
+          </a:fontRef>
+        </p:style>
+      </p:cxnSp>
+      <p:sp>
+        <p:nvSpPr>
+          <p:cNvPr id="53" name="文本框 52">
+            <a:extLst>
+              <a:ext uri="{FF2B5EF4-FFF2-40B4-BE49-F238E27FC236}">
+                <a16:creationId xmlns:a16="http://schemas.microsoft.com/office/drawing/2014/main" id="{B9A3B7B5-CBF4-46ED-B05D-F9EA6BE36C4D}"/>
+              </a:ext>
+            </a:extLst>
+          </p:cNvPr>
+          <p:cNvSpPr txBox="1"/>
+          <p:nvPr/>
+        </p:nvSpPr>
+        <p:spPr>
+          <a:xfrm>
+            <a:off x="383034" y="2175930"/>
+            <a:ext cx="2892818" cy="253916"/>
+          </a:xfrm>
+          <a:prstGeom prst="rect">
+            <a:avLst/>
+          </a:prstGeom>
+          <a:noFill/>
+        </p:spPr>
+        <p:txBody>
+          <a:bodyPr wrap="square" rtlCol="0">
+            <a:spAutoFit/>
+          </a:bodyPr>
+          <a:lstStyle/>
+          <a:p>
+            <a:r>
+              <a:rPr lang="zh-CN" altLang="en-US" sz="1050" dirty="0">
+                <a:solidFill>
+                  <a:srgbClr val="5A5A5A"/>
+                </a:solidFill>
+              </a:rPr>
+              <a:t>该</a:t>
+            </a:r>
+            <a:r>
+              <a:rPr lang="en-US" altLang="zh-CN" sz="1050" dirty="0">
+                <a:solidFill>
+                  <a:srgbClr val="5A5A5A"/>
+                </a:solidFill>
+              </a:rPr>
+              <a:t>3</a:t>
+            </a:r>
+            <a:r>
+              <a:rPr lang="zh-CN" altLang="en-US" sz="1050" dirty="0">
+                <a:solidFill>
+                  <a:srgbClr val="5A5A5A"/>
+                </a:solidFill>
+              </a:rPr>
+              <a:t>用户</a:t>
+            </a:r>
+            <a:r>
+              <a:rPr lang="en-US" altLang="zh-CN" sz="1050" dirty="0">
+                <a:solidFill>
+                  <a:srgbClr val="5A5A5A"/>
+                </a:solidFill>
+              </a:rPr>
+              <a:t>3</a:t>
+            </a:r>
+            <a:r>
+              <a:rPr lang="zh-CN" altLang="en-US" sz="1050" dirty="0">
+                <a:solidFill>
+                  <a:srgbClr val="5A5A5A"/>
+                </a:solidFill>
+              </a:rPr>
+              <a:t>的</a:t>
+            </a:r>
+            <a:r>
+              <a:rPr lang="en-US" altLang="zh-CN" sz="1050" dirty="0">
+                <a:solidFill>
+                  <a:srgbClr val="5A5A5A"/>
+                </a:solidFill>
+              </a:rPr>
+              <a:t>3</a:t>
+            </a:r>
+            <a:r>
+              <a:rPr lang="zh-CN" altLang="en-US" sz="1050" dirty="0">
+                <a:solidFill>
+                  <a:srgbClr val="5A5A5A"/>
+                </a:solidFill>
+              </a:rPr>
+              <a:t>搜</a:t>
+            </a:r>
+            <a:r>
+              <a:rPr lang="en-US" altLang="zh-CN" sz="1050" dirty="0">
+                <a:solidFill>
+                  <a:srgbClr val="5A5A5A"/>
+                </a:solidFill>
+              </a:rPr>
+              <a:t>3</a:t>
+            </a:r>
+            <a:r>
+              <a:rPr lang="zh-CN" altLang="en-US" sz="1050" dirty="0">
+                <a:solidFill>
+                  <a:srgbClr val="5A5A5A"/>
+                </a:solidFill>
+              </a:rPr>
+              <a:t>索历</a:t>
+            </a:r>
+            <a:r>
+              <a:rPr lang="en-US" altLang="zh-CN" sz="1050" dirty="0">
+                <a:solidFill>
+                  <a:srgbClr val="5A5A5A"/>
+                </a:solidFill>
+              </a:rPr>
+              <a:t>3</a:t>
+            </a:r>
+            <a:r>
+              <a:rPr lang="zh-CN" altLang="en-US" sz="1050" dirty="0">
+                <a:solidFill>
+                  <a:srgbClr val="5A5A5A"/>
+                </a:solidFill>
+              </a:rPr>
+              <a:t>史</a:t>
+            </a:r>
+            <a:r>
+              <a:rPr lang="en-US" altLang="zh-CN" sz="1050" dirty="0">
+                <a:solidFill>
+                  <a:srgbClr val="5A5A5A"/>
+                </a:solidFill>
+              </a:rPr>
+              <a:t>1</a:t>
+            </a:r>
+            <a:endParaRPr lang="zh-CN" altLang="en-US" sz="1050" dirty="0">
+              <a:solidFill>
+                <a:srgbClr val="5A5A5A"/>
+              </a:solidFill>
+            </a:endParaRPr>
+          </a:p>
+        </p:txBody>
+      </p:sp>
+      <p:pic>
+        <p:nvPicPr>
+          <p:cNvPr id="54" name="图片 53">
+            <a:extLst>
+              <a:ext uri="{FF2B5EF4-FFF2-40B4-BE49-F238E27FC236}">
+                <a16:creationId xmlns:a16="http://schemas.microsoft.com/office/drawing/2014/main" id="{FA193D19-9C89-4A29-98CF-002CDA554B1C}"/>
+              </a:ext>
+            </a:extLst>
+          </p:cNvPr>
+          <p:cNvPicPr>
+            <a:picLocks noChangeAspect="1"/>
+          </p:cNvPicPr>
+          <p:nvPr/>
+        </p:nvPicPr>
+        <p:blipFill>
+          <a:blip r:embed="rId3" cstate="print">
+            <a:extLst>
+              <a:ext uri="{28A0092B-C50C-407E-A947-70E740481C1C}">
+                <a14:useLocalDpi xmlns:a14="http://schemas.microsoft.com/office/drawing/2010/main" val="0"/>
+              </a:ext>
+            </a:extLst>
+          </a:blip>
+          <a:stretch>
+            <a:fillRect/>
+          </a:stretch>
+        </p:blipFill>
+        <p:spPr>
+          <a:xfrm>
+            <a:off x="255049" y="2223688"/>
+            <a:ext cx="158400" cy="158400"/>
+          </a:xfrm>
+          <a:prstGeom prst="rect">
+            <a:avLst/>
+          </a:prstGeom>
+        </p:spPr>
+      </p:pic>
+      <p:cxnSp>
+        <p:nvCxnSpPr>
+          <p:cNvPr id="55" name="直接连接符 54">
+            <a:extLst>
+              <a:ext uri="{FF2B5EF4-FFF2-40B4-BE49-F238E27FC236}">
+                <a16:creationId xmlns:a16="http://schemas.microsoft.com/office/drawing/2014/main" id="{BB4CA5C3-0AE3-45D6-8B7D-B6D27A0FFE99}"/>
+              </a:ext>
+            </a:extLst>
+          </p:cNvPr>
+          <p:cNvCxnSpPr>
+            <a:cxnSpLocks/>
+          </p:cNvCxnSpPr>
+          <p:nvPr/>
+        </p:nvCxnSpPr>
+        <p:spPr>
+          <a:xfrm>
+            <a:off x="251519" y="2429846"/>
+            <a:ext cx="3024335" cy="0"/>
+          </a:xfrm>
+          <a:prstGeom prst="line">
+            <a:avLst/>
+          </a:prstGeom>
+          <a:ln w="12700" cap="rnd">
+            <a:solidFill>
+              <a:schemeClr val="bg1">
+                <a:lumMod val="65000"/>
+              </a:schemeClr>
+            </a:solidFill>
+            <a:round/>
+          </a:ln>
+          <a:effectLst>
+            <a:softEdge rad="6350"/>
+          </a:effectLst>
+        </p:spPr>
+        <p:style>
+          <a:lnRef idx="1">
+            <a:schemeClr val="accent1"/>
+          </a:lnRef>
+          <a:fillRef idx="0">
+            <a:schemeClr val="accent1"/>
+          </a:fillRef>
+          <a:effectRef idx="0">
+            <a:schemeClr val="accent1"/>
+          </a:effectRef>
+          <a:fontRef idx="minor">
+            <a:schemeClr val="tx1"/>
+          </a:fontRef>
+        </p:style>
+      </p:cxnSp>
+      <p:sp>
+        <p:nvSpPr>
+          <p:cNvPr id="56" name="文本框 55">
+            <a:extLst>
+              <a:ext uri="{FF2B5EF4-FFF2-40B4-BE49-F238E27FC236}">
+                <a16:creationId xmlns:a16="http://schemas.microsoft.com/office/drawing/2014/main" id="{42437918-2048-46D2-99F7-5BDA76C7DC10}"/>
+              </a:ext>
+            </a:extLst>
+          </p:cNvPr>
+          <p:cNvSpPr txBox="1"/>
+          <p:nvPr/>
+        </p:nvSpPr>
+        <p:spPr>
+          <a:xfrm>
+            <a:off x="383033" y="2427381"/>
+            <a:ext cx="2892818" cy="253916"/>
+          </a:xfrm>
+          <a:prstGeom prst="rect">
+            <a:avLst/>
+          </a:prstGeom>
+          <a:noFill/>
+        </p:spPr>
+        <p:txBody>
+          <a:bodyPr wrap="square" rtlCol="0">
+            <a:spAutoFit/>
+          </a:bodyPr>
+          <a:lstStyle/>
+          <a:p>
+            <a:r>
+              <a:rPr lang="zh-CN" altLang="en-US" sz="1050" dirty="0">
+                <a:solidFill>
+                  <a:srgbClr val="5A5A5A"/>
+                </a:solidFill>
+              </a:rPr>
+              <a:t>该</a:t>
+            </a:r>
+            <a:r>
+              <a:rPr lang="en-US" altLang="zh-CN" sz="1050" dirty="0">
+                <a:solidFill>
+                  <a:srgbClr val="5A5A5A"/>
+                </a:solidFill>
+              </a:rPr>
+              <a:t>44</a:t>
+            </a:r>
+            <a:r>
+              <a:rPr lang="zh-CN" altLang="en-US" sz="1050" dirty="0">
+                <a:solidFill>
+                  <a:srgbClr val="5A5A5A"/>
+                </a:solidFill>
+              </a:rPr>
+              <a:t>用户</a:t>
+            </a:r>
+            <a:r>
+              <a:rPr lang="en-US" altLang="zh-CN" sz="1050" dirty="0">
+                <a:solidFill>
+                  <a:srgbClr val="5A5A5A"/>
+                </a:solidFill>
+              </a:rPr>
+              <a:t>4</a:t>
+            </a:r>
+            <a:r>
+              <a:rPr lang="zh-CN" altLang="en-US" sz="1050" dirty="0">
+                <a:solidFill>
+                  <a:srgbClr val="5A5A5A"/>
+                </a:solidFill>
+              </a:rPr>
+              <a:t>的</a:t>
+            </a:r>
+            <a:r>
+              <a:rPr lang="en-US" altLang="zh-CN" sz="1050" dirty="0">
+                <a:solidFill>
+                  <a:srgbClr val="5A5A5A"/>
+                </a:solidFill>
+              </a:rPr>
+              <a:t>44</a:t>
+            </a:r>
+            <a:r>
+              <a:rPr lang="zh-CN" altLang="en-US" sz="1050" dirty="0">
+                <a:solidFill>
+                  <a:srgbClr val="5A5A5A"/>
+                </a:solidFill>
+              </a:rPr>
+              <a:t>搜索历</a:t>
+            </a:r>
+            <a:r>
+              <a:rPr lang="en-US" altLang="zh-CN" sz="1050" dirty="0">
+                <a:solidFill>
+                  <a:srgbClr val="5A5A5A"/>
+                </a:solidFill>
+              </a:rPr>
+              <a:t>4</a:t>
+            </a:r>
+            <a:r>
+              <a:rPr lang="zh-CN" altLang="en-US" sz="1050" dirty="0">
+                <a:solidFill>
+                  <a:srgbClr val="5A5A5A"/>
+                </a:solidFill>
+              </a:rPr>
+              <a:t>史</a:t>
+            </a:r>
+            <a:r>
+              <a:rPr lang="en-US" altLang="zh-CN" sz="1050" dirty="0">
+                <a:solidFill>
+                  <a:srgbClr val="5A5A5A"/>
+                </a:solidFill>
+              </a:rPr>
+              <a:t>1</a:t>
+            </a:r>
+            <a:endParaRPr lang="zh-CN" altLang="en-US" sz="1050" dirty="0">
+              <a:solidFill>
+                <a:srgbClr val="5A5A5A"/>
+              </a:solidFill>
+            </a:endParaRPr>
+          </a:p>
+        </p:txBody>
+      </p:sp>
+      <p:pic>
+        <p:nvPicPr>
+          <p:cNvPr id="57" name="图片 56">
+            <a:extLst>
+              <a:ext uri="{FF2B5EF4-FFF2-40B4-BE49-F238E27FC236}">
+                <a16:creationId xmlns:a16="http://schemas.microsoft.com/office/drawing/2014/main" id="{B3170EEA-29EA-4D20-968B-178F2801744D}"/>
+              </a:ext>
+            </a:extLst>
+          </p:cNvPr>
+          <p:cNvPicPr>
+            <a:picLocks noChangeAspect="1"/>
+          </p:cNvPicPr>
+          <p:nvPr/>
+        </p:nvPicPr>
+        <p:blipFill>
+          <a:blip r:embed="rId3" cstate="print">
+            <a:extLst>
+              <a:ext uri="{28A0092B-C50C-407E-A947-70E740481C1C}">
+                <a14:useLocalDpi xmlns:a14="http://schemas.microsoft.com/office/drawing/2010/main" val="0"/>
+              </a:ext>
+            </a:extLst>
+          </a:blip>
+          <a:stretch>
+            <a:fillRect/>
+          </a:stretch>
+        </p:blipFill>
+        <p:spPr>
+          <a:xfrm>
+            <a:off x="255048" y="2475139"/>
+            <a:ext cx="158400" cy="158400"/>
+          </a:xfrm>
+          <a:prstGeom prst="rect">
+            <a:avLst/>
+          </a:prstGeom>
+        </p:spPr>
+      </p:pic>
+      <p:cxnSp>
+        <p:nvCxnSpPr>
+          <p:cNvPr id="58" name="直接连接符 57">
+            <a:extLst>
+              <a:ext uri="{FF2B5EF4-FFF2-40B4-BE49-F238E27FC236}">
+                <a16:creationId xmlns:a16="http://schemas.microsoft.com/office/drawing/2014/main" id="{63A1CB5E-48FF-4084-94BE-0C2132384DC9}"/>
+              </a:ext>
+            </a:extLst>
+          </p:cNvPr>
+          <p:cNvCxnSpPr>
+            <a:cxnSpLocks/>
+          </p:cNvCxnSpPr>
+          <p:nvPr/>
+        </p:nvCxnSpPr>
+        <p:spPr>
+          <a:xfrm>
+            <a:off x="251518" y="2681297"/>
+            <a:ext cx="3024335" cy="0"/>
+          </a:xfrm>
+          <a:prstGeom prst="line">
+            <a:avLst/>
+          </a:prstGeom>
+          <a:ln w="12700" cap="rnd">
+            <a:solidFill>
+              <a:schemeClr val="bg1">
+                <a:lumMod val="65000"/>
+              </a:schemeClr>
+            </a:solidFill>
+            <a:round/>
+          </a:ln>
+          <a:effectLst>
+            <a:softEdge rad="6350"/>
+          </a:effectLst>
+        </p:spPr>
+        <p:style>
+          <a:lnRef idx="1">
+            <a:schemeClr val="accent1"/>
+          </a:lnRef>
+          <a:fillRef idx="0">
+            <a:schemeClr val="accent1"/>
+          </a:fillRef>
+          <a:effectRef idx="0">
+            <a:schemeClr val="accent1"/>
+          </a:effectRef>
+          <a:fontRef idx="minor">
+            <a:schemeClr val="tx1"/>
+          </a:fontRef>
+        </p:style>
+      </p:cxnSp>
+      <p:sp>
+        <p:nvSpPr>
+          <p:cNvPr id="59" name="文本框 58">
+            <a:extLst>
+              <a:ext uri="{FF2B5EF4-FFF2-40B4-BE49-F238E27FC236}">
+                <a16:creationId xmlns:a16="http://schemas.microsoft.com/office/drawing/2014/main" id="{F31B2572-022F-4A01-8EFB-0B81A4C908E6}"/>
+              </a:ext>
+            </a:extLst>
+          </p:cNvPr>
+          <p:cNvSpPr txBox="1"/>
+          <p:nvPr/>
+        </p:nvSpPr>
+        <p:spPr>
+          <a:xfrm>
+            <a:off x="5436096" y="692696"/>
+            <a:ext cx="3600400" cy="369332"/>
+          </a:xfrm>
+          <a:prstGeom prst="rect">
+            <a:avLst/>
+          </a:prstGeom>
+          <a:noFill/>
+        </p:spPr>
+        <p:txBody>
+          <a:bodyPr wrap="square" rtlCol="0">
+            <a:spAutoFit/>
+          </a:bodyPr>
+          <a:lstStyle/>
+          <a:p>
+            <a:r>
+              <a:rPr lang="zh-CN" altLang="en-US" dirty="0"/>
+              <a:t>搜索页面</a:t>
+            </a:r>
+          </a:p>
+        </p:txBody>
+      </p:sp>
+    </p:spTree>
+    <p:extLst>
+      <p:ext uri="{BB962C8B-B14F-4D97-AF65-F5344CB8AC3E}">
+        <p14:creationId xmlns:p14="http://schemas.microsoft.com/office/powerpoint/2010/main" val="2783547846"/>
+      </p:ext>
+    </p:extLst>
+  </p:cSld>
+  <p:clrMapOvr>
+    <a:masterClrMapping/>
+  </p:clrMapOvr>
+</p:sld>
+</file>
+
+<file path=ppt/slides/slide6.xml><?xml version="1.0" encoding="utf-8"?>
 <p:sld xmlns:a="http://schemas.openxmlformats.org/drawingml/2006/main" xmlns:r="http://schemas.openxmlformats.org/officeDocument/2006/relationships" xmlns:p="http://schemas.openxmlformats.org/presentationml/2006/main">
   <p:cSld>
     <p:spTree>

--- a/docs/Beta阶段前端设计稿.pptx
+++ b/docs/Beta阶段前端设计稿.pptx
@@ -5,7 +5,7 @@
     <p:sldMasterId id="2147483648" r:id="rId1"/>
   </p:sldMasterIdLst>
   <p:notesMasterIdLst>
-    <p:notesMasterId r:id="rId8"/>
+    <p:notesMasterId r:id="rId9"/>
   </p:notesMasterIdLst>
   <p:sldIdLst>
     <p:sldId id="257" r:id="rId2"/>
@@ -13,7 +13,8 @@
     <p:sldId id="259" r:id="rId4"/>
     <p:sldId id="260" r:id="rId5"/>
     <p:sldId id="261" r:id="rId6"/>
-    <p:sldId id="256" r:id="rId7"/>
+    <p:sldId id="262" r:id="rId7"/>
+    <p:sldId id="256" r:id="rId8"/>
   </p:sldIdLst>
   <p:sldSz cx="9144000" cy="6858000" type="screen4x3"/>
   <p:notesSz cx="6858000" cy="9144000"/>
@@ -629,7 +630,7 @@
           <a:p>
             <a:fld id="{3B9B6A14-1C49-4289-B485-CA955A50C7A5}" type="slidenum">
               <a:rPr lang="zh-CN" altLang="en-US" smtClean="0"/>
-              <a:t>6</a:t>
+              <a:t>7</a:t>
             </a:fld>
             <a:endParaRPr lang="zh-CN" altLang="en-US"/>
           </a:p>
@@ -18912,6 +18913,284 @@
 </file>
 
 <file path=ppt/slides/slide6.xml><?xml version="1.0" encoding="utf-8"?>
+<p:sld xmlns:a="http://schemas.openxmlformats.org/drawingml/2006/main" xmlns:r="http://schemas.openxmlformats.org/officeDocument/2006/relationships" xmlns:p="http://schemas.openxmlformats.org/presentationml/2006/main">
+  <p:cSld>
+    <p:spTree>
+      <p:nvGrpSpPr>
+        <p:cNvPr id="1" name=""/>
+        <p:cNvGrpSpPr/>
+        <p:nvPr/>
+      </p:nvGrpSpPr>
+      <p:grpSpPr>
+        <a:xfrm>
+          <a:off x="0" y="0"/>
+          <a:ext cx="0" cy="0"/>
+          <a:chOff x="0" y="0"/>
+          <a:chExt cx="0" cy="0"/>
+        </a:xfrm>
+      </p:grpSpPr>
+      <p:sp>
+        <p:nvSpPr>
+          <p:cNvPr id="4" name="文本框 3">
+            <a:extLst>
+              <a:ext uri="{FF2B5EF4-FFF2-40B4-BE49-F238E27FC236}">
+                <a16:creationId xmlns:a16="http://schemas.microsoft.com/office/drawing/2014/main" id="{BBC76684-D268-4CE9-8511-F0D519FE972A}"/>
+              </a:ext>
+            </a:extLst>
+          </p:cNvPr>
+          <p:cNvSpPr txBox="1"/>
+          <p:nvPr/>
+        </p:nvSpPr>
+        <p:spPr>
+          <a:xfrm>
+            <a:off x="1763688" y="404664"/>
+            <a:ext cx="2160240" cy="369332"/>
+          </a:xfrm>
+          <a:prstGeom prst="rect">
+            <a:avLst/>
+          </a:prstGeom>
+          <a:noFill/>
+        </p:spPr>
+        <p:txBody>
+          <a:bodyPr wrap="square" rtlCol="0">
+            <a:spAutoFit/>
+          </a:bodyPr>
+          <a:lstStyle/>
+          <a:p>
+            <a:r>
+              <a:rPr lang="zh-CN" altLang="en-US" dirty="0"/>
+              <a:t>个人中心页面图标</a:t>
+            </a:r>
+          </a:p>
+        </p:txBody>
+      </p:sp>
+      <p:pic>
+        <p:nvPicPr>
+          <p:cNvPr id="6" name="图片 5">
+            <a:extLst>
+              <a:ext uri="{FF2B5EF4-FFF2-40B4-BE49-F238E27FC236}">
+                <a16:creationId xmlns:a16="http://schemas.microsoft.com/office/drawing/2014/main" id="{A4C62B20-3C26-4771-8BEC-80D335D14926}"/>
+              </a:ext>
+            </a:extLst>
+          </p:cNvPr>
+          <p:cNvPicPr>
+            <a:picLocks noChangeAspect="1"/>
+          </p:cNvPicPr>
+          <p:nvPr/>
+        </p:nvPicPr>
+        <p:blipFill>
+          <a:blip r:embed="rId2" cstate="print">
+            <a:extLst>
+              <a:ext uri="{28A0092B-C50C-407E-A947-70E740481C1C}">
+                <a14:useLocalDpi xmlns:a14="http://schemas.microsoft.com/office/drawing/2010/main" val="0"/>
+              </a:ext>
+            </a:extLst>
+          </a:blip>
+          <a:stretch>
+            <a:fillRect/>
+          </a:stretch>
+        </p:blipFill>
+        <p:spPr>
+          <a:xfrm>
+            <a:off x="179512" y="589330"/>
+            <a:ext cx="1800000" cy="1800000"/>
+          </a:xfrm>
+          <a:prstGeom prst="rect">
+            <a:avLst/>
+          </a:prstGeom>
+        </p:spPr>
+      </p:pic>
+      <p:pic>
+        <p:nvPicPr>
+          <p:cNvPr id="8" name="图片 7">
+            <a:extLst>
+              <a:ext uri="{FF2B5EF4-FFF2-40B4-BE49-F238E27FC236}">
+                <a16:creationId xmlns:a16="http://schemas.microsoft.com/office/drawing/2014/main" id="{6D6D6D41-0087-4C00-9294-0AD3834712D1}"/>
+              </a:ext>
+            </a:extLst>
+          </p:cNvPr>
+          <p:cNvPicPr>
+            <a:picLocks noChangeAspect="1"/>
+          </p:cNvPicPr>
+          <p:nvPr/>
+        </p:nvPicPr>
+        <p:blipFill>
+          <a:blip r:embed="rId3" cstate="print">
+            <a:extLst>
+              <a:ext uri="{28A0092B-C50C-407E-A947-70E740481C1C}">
+                <a14:useLocalDpi xmlns:a14="http://schemas.microsoft.com/office/drawing/2010/main" val="0"/>
+              </a:ext>
+            </a:extLst>
+          </a:blip>
+          <a:stretch>
+            <a:fillRect/>
+          </a:stretch>
+        </p:blipFill>
+        <p:spPr>
+          <a:xfrm>
+            <a:off x="179512" y="2276872"/>
+            <a:ext cx="1800000" cy="1800000"/>
+          </a:xfrm>
+          <a:prstGeom prst="rect">
+            <a:avLst/>
+          </a:prstGeom>
+        </p:spPr>
+      </p:pic>
+      <p:pic>
+        <p:nvPicPr>
+          <p:cNvPr id="10" name="图片 9">
+            <a:extLst>
+              <a:ext uri="{FF2B5EF4-FFF2-40B4-BE49-F238E27FC236}">
+                <a16:creationId xmlns:a16="http://schemas.microsoft.com/office/drawing/2014/main" id="{FB1964BB-46A8-4460-B7F4-CD655DD39BA6}"/>
+              </a:ext>
+            </a:extLst>
+          </p:cNvPr>
+          <p:cNvPicPr>
+            <a:picLocks noChangeAspect="1"/>
+          </p:cNvPicPr>
+          <p:nvPr/>
+        </p:nvPicPr>
+        <p:blipFill>
+          <a:blip r:embed="rId4" cstate="print">
+            <a:extLst>
+              <a:ext uri="{28A0092B-C50C-407E-A947-70E740481C1C}">
+                <a14:useLocalDpi xmlns:a14="http://schemas.microsoft.com/office/drawing/2010/main" val="0"/>
+              </a:ext>
+            </a:extLst>
+          </a:blip>
+          <a:stretch>
+            <a:fillRect/>
+          </a:stretch>
+        </p:blipFill>
+        <p:spPr>
+          <a:xfrm>
+            <a:off x="179512" y="4149080"/>
+            <a:ext cx="1800000" cy="1800000"/>
+          </a:xfrm>
+          <a:prstGeom prst="rect">
+            <a:avLst/>
+          </a:prstGeom>
+        </p:spPr>
+      </p:pic>
+      <p:sp>
+        <p:nvSpPr>
+          <p:cNvPr id="11" name="文本框 10">
+            <a:extLst>
+              <a:ext uri="{FF2B5EF4-FFF2-40B4-BE49-F238E27FC236}">
+                <a16:creationId xmlns:a16="http://schemas.microsoft.com/office/drawing/2014/main" id="{2A488123-620B-449F-BB8D-1876C39E012E}"/>
+              </a:ext>
+            </a:extLst>
+          </p:cNvPr>
+          <p:cNvSpPr txBox="1"/>
+          <p:nvPr/>
+        </p:nvSpPr>
+        <p:spPr>
+          <a:xfrm>
+            <a:off x="2483768" y="1124744"/>
+            <a:ext cx="2808312" cy="369332"/>
+          </a:xfrm>
+          <a:prstGeom prst="rect">
+            <a:avLst/>
+          </a:prstGeom>
+          <a:noFill/>
+        </p:spPr>
+        <p:txBody>
+          <a:bodyPr wrap="square" rtlCol="0">
+            <a:spAutoFit/>
+          </a:bodyPr>
+          <a:lstStyle/>
+          <a:p>
+            <a:r>
+              <a:rPr lang="zh-CN" altLang="en-US" dirty="0"/>
+              <a:t>个人资料</a:t>
+            </a:r>
+          </a:p>
+        </p:txBody>
+      </p:sp>
+      <p:sp>
+        <p:nvSpPr>
+          <p:cNvPr id="12" name="文本框 11">
+            <a:extLst>
+              <a:ext uri="{FF2B5EF4-FFF2-40B4-BE49-F238E27FC236}">
+                <a16:creationId xmlns:a16="http://schemas.microsoft.com/office/drawing/2014/main" id="{978D5718-8234-4386-9580-9CFA5BC43DCA}"/>
+              </a:ext>
+            </a:extLst>
+          </p:cNvPr>
+          <p:cNvSpPr txBox="1"/>
+          <p:nvPr/>
+        </p:nvSpPr>
+        <p:spPr>
+          <a:xfrm>
+            <a:off x="2519772" y="3059668"/>
+            <a:ext cx="2808312" cy="369332"/>
+          </a:xfrm>
+          <a:prstGeom prst="rect">
+            <a:avLst/>
+          </a:prstGeom>
+          <a:noFill/>
+        </p:spPr>
+        <p:txBody>
+          <a:bodyPr wrap="square" rtlCol="0">
+            <a:spAutoFit/>
+          </a:bodyPr>
+          <a:lstStyle/>
+          <a:p>
+            <a:r>
+              <a:rPr lang="zh-CN" altLang="en-US" dirty="0"/>
+              <a:t>我的简历</a:t>
+            </a:r>
+          </a:p>
+        </p:txBody>
+      </p:sp>
+      <p:sp>
+        <p:nvSpPr>
+          <p:cNvPr id="13" name="文本框 12">
+            <a:extLst>
+              <a:ext uri="{FF2B5EF4-FFF2-40B4-BE49-F238E27FC236}">
+                <a16:creationId xmlns:a16="http://schemas.microsoft.com/office/drawing/2014/main" id="{EBA979CA-CDA3-4B62-94E3-427F56A538C2}"/>
+              </a:ext>
+            </a:extLst>
+          </p:cNvPr>
+          <p:cNvSpPr txBox="1"/>
+          <p:nvPr/>
+        </p:nvSpPr>
+        <p:spPr>
+          <a:xfrm>
+            <a:off x="2483768" y="4809926"/>
+            <a:ext cx="2808312" cy="369332"/>
+          </a:xfrm>
+          <a:prstGeom prst="rect">
+            <a:avLst/>
+          </a:prstGeom>
+          <a:noFill/>
+        </p:spPr>
+        <p:txBody>
+          <a:bodyPr wrap="square" rtlCol="0">
+            <a:spAutoFit/>
+          </a:bodyPr>
+          <a:lstStyle/>
+          <a:p>
+            <a:r>
+              <a:rPr lang="zh-CN" altLang="en-US" dirty="0"/>
+              <a:t>关于我们</a:t>
+            </a:r>
+          </a:p>
+        </p:txBody>
+      </p:sp>
+    </p:spTree>
+    <p:extLst>
+      <p:ext uri="{BB962C8B-B14F-4D97-AF65-F5344CB8AC3E}">
+        <p14:creationId xmlns:p14="http://schemas.microsoft.com/office/powerpoint/2010/main" val="3779721821"/>
+      </p:ext>
+    </p:extLst>
+  </p:cSld>
+  <p:clrMapOvr>
+    <a:masterClrMapping/>
+  </p:clrMapOvr>
+</p:sld>
+</file>
+
+<file path=ppt/slides/slide7.xml><?xml version="1.0" encoding="utf-8"?>
 <p:sld xmlns:a="http://schemas.openxmlformats.org/drawingml/2006/main" xmlns:r="http://schemas.openxmlformats.org/officeDocument/2006/relationships" xmlns:p="http://schemas.openxmlformats.org/presentationml/2006/main">
   <p:cSld>
     <p:spTree>
